--- a/lec_state_machine/statemachine.pptx
+++ b/lec_state_machine/statemachine.pptx
@@ -5,7 +5,9 @@
     <p:sldMasterId id="2147483648" r:id="rId1"/>
   </p:sldMasterIdLst>
   <p:sldIdLst>
-    <p:sldId id="256" r:id="rId2"/>
+    <p:sldId id="258" r:id="rId2"/>
+    <p:sldId id="257" r:id="rId3"/>
+    <p:sldId id="256" r:id="rId4"/>
   </p:sldIdLst>
   <p:sldSz cx="9144000" cy="6858000" type="screen4x3"/>
   <p:notesSz cx="6858000" cy="9144000"/>
@@ -288,7 +290,7 @@
           <a:p>
             <a:fld id="{E813D29A-5167-4ABB-A7F1-81A73E4CCD2E}" type="datetimeFigureOut">
               <a:rPr lang="ru-RU" smtClean="0"/>
-              <a:t>11.03.2018</a:t>
+              <a:t>12.03.2018</a:t>
             </a:fld>
             <a:endParaRPr lang="ru-RU"/>
           </a:p>
@@ -458,7 +460,7 @@
           <a:p>
             <a:fld id="{E813D29A-5167-4ABB-A7F1-81A73E4CCD2E}" type="datetimeFigureOut">
               <a:rPr lang="ru-RU" smtClean="0"/>
-              <a:t>11.03.2018</a:t>
+              <a:t>12.03.2018</a:t>
             </a:fld>
             <a:endParaRPr lang="ru-RU"/>
           </a:p>
@@ -638,7 +640,7 @@
           <a:p>
             <a:fld id="{E813D29A-5167-4ABB-A7F1-81A73E4CCD2E}" type="datetimeFigureOut">
               <a:rPr lang="ru-RU" smtClean="0"/>
-              <a:t>11.03.2018</a:t>
+              <a:t>12.03.2018</a:t>
             </a:fld>
             <a:endParaRPr lang="ru-RU"/>
           </a:p>
@@ -808,7 +810,7 @@
           <a:p>
             <a:fld id="{E813D29A-5167-4ABB-A7F1-81A73E4CCD2E}" type="datetimeFigureOut">
               <a:rPr lang="ru-RU" smtClean="0"/>
-              <a:t>11.03.2018</a:t>
+              <a:t>12.03.2018</a:t>
             </a:fld>
             <a:endParaRPr lang="ru-RU"/>
           </a:p>
@@ -1054,7 +1056,7 @@
           <a:p>
             <a:fld id="{E813D29A-5167-4ABB-A7F1-81A73E4CCD2E}" type="datetimeFigureOut">
               <a:rPr lang="ru-RU" smtClean="0"/>
-              <a:t>11.03.2018</a:t>
+              <a:t>12.03.2018</a:t>
             </a:fld>
             <a:endParaRPr lang="ru-RU"/>
           </a:p>
@@ -1342,7 +1344,7 @@
           <a:p>
             <a:fld id="{E813D29A-5167-4ABB-A7F1-81A73E4CCD2E}" type="datetimeFigureOut">
               <a:rPr lang="ru-RU" smtClean="0"/>
-              <a:t>11.03.2018</a:t>
+              <a:t>12.03.2018</a:t>
             </a:fld>
             <a:endParaRPr lang="ru-RU"/>
           </a:p>
@@ -1764,7 +1766,7 @@
           <a:p>
             <a:fld id="{E813D29A-5167-4ABB-A7F1-81A73E4CCD2E}" type="datetimeFigureOut">
               <a:rPr lang="ru-RU" smtClean="0"/>
-              <a:t>11.03.2018</a:t>
+              <a:t>12.03.2018</a:t>
             </a:fld>
             <a:endParaRPr lang="ru-RU"/>
           </a:p>
@@ -1882,7 +1884,7 @@
           <a:p>
             <a:fld id="{E813D29A-5167-4ABB-A7F1-81A73E4CCD2E}" type="datetimeFigureOut">
               <a:rPr lang="ru-RU" smtClean="0"/>
-              <a:t>11.03.2018</a:t>
+              <a:t>12.03.2018</a:t>
             </a:fld>
             <a:endParaRPr lang="ru-RU"/>
           </a:p>
@@ -1977,7 +1979,7 @@
           <a:p>
             <a:fld id="{E813D29A-5167-4ABB-A7F1-81A73E4CCD2E}" type="datetimeFigureOut">
               <a:rPr lang="ru-RU" smtClean="0"/>
-              <a:t>11.03.2018</a:t>
+              <a:t>12.03.2018</a:t>
             </a:fld>
             <a:endParaRPr lang="ru-RU"/>
           </a:p>
@@ -2254,7 +2256,7 @@
           <a:p>
             <a:fld id="{E813D29A-5167-4ABB-A7F1-81A73E4CCD2E}" type="datetimeFigureOut">
               <a:rPr lang="ru-RU" smtClean="0"/>
-              <a:t>11.03.2018</a:t>
+              <a:t>12.03.2018</a:t>
             </a:fld>
             <a:endParaRPr lang="ru-RU"/>
           </a:p>
@@ -2507,7 +2509,7 @@
           <a:p>
             <a:fld id="{E813D29A-5167-4ABB-A7F1-81A73E4CCD2E}" type="datetimeFigureOut">
               <a:rPr lang="ru-RU" smtClean="0"/>
-              <a:t>11.03.2018</a:t>
+              <a:t>12.03.2018</a:t>
             </a:fld>
             <a:endParaRPr lang="ru-RU"/>
           </a:p>
@@ -2720,7 +2722,7 @@
           <a:p>
             <a:fld id="{E813D29A-5167-4ABB-A7F1-81A73E4CCD2E}" type="datetimeFigureOut">
               <a:rPr lang="ru-RU" smtClean="0"/>
-              <a:t>11.03.2018</a:t>
+              <a:t>12.03.2018</a:t>
             </a:fld>
             <a:endParaRPr lang="ru-RU"/>
           </a:p>
@@ -3081,6 +3083,12 @@
 <file path=ppt/slides/slide1.xml><?xml version="1.0" encoding="utf-8"?>
 <p:sld xmlns:a="http://schemas.openxmlformats.org/drawingml/2006/main" xmlns:r="http://schemas.openxmlformats.org/officeDocument/2006/relationships" xmlns:p="http://schemas.openxmlformats.org/presentationml/2006/main">
   <p:cSld>
+    <p:bg>
+      <p:bgPr>
+        <a:noFill/>
+        <a:effectLst/>
+      </p:bgPr>
+    </p:bg>
     <p:spTree>
       <p:nvGrpSpPr>
         <p:cNvPr id="1" name=""/>
@@ -3097,13 +3105,1306 @@
       </p:grpSpPr>
       <p:sp>
         <p:nvSpPr>
+          <p:cNvPr id="2" name="Заголовок 1"/>
+          <p:cNvSpPr>
+            <a:spLocks noGrp="1"/>
+          </p:cNvSpPr>
+          <p:nvPr>
+            <p:ph type="title"/>
+          </p:nvPr>
+        </p:nvSpPr>
+        <p:spPr/>
+        <p:txBody>
+          <a:bodyPr/>
+          <a:lstStyle/>
+          <a:p>
+            <a:r>
+              <a:rPr lang="ru-RU" dirty="0" smtClean="0"/>
+              <a:t>Абстрактный автомат</a:t>
+            </a:r>
+            <a:endParaRPr lang="ru-RU" dirty="0"/>
+          </a:p>
+        </p:txBody>
+      </p:sp>
+      <mc:AlternateContent xmlns:mc="http://schemas.openxmlformats.org/markup-compatibility/2006">
+        <mc:Choice xmlns:a14="http://schemas.microsoft.com/office/drawing/2010/main" Requires="a14">
+          <p:sp>
+            <p:nvSpPr>
+              <p:cNvPr id="4" name="Прямоугольник 3"/>
+              <p:cNvSpPr/>
+              <p:nvPr/>
+            </p:nvSpPr>
+            <p:spPr>
+              <a:xfrm>
+                <a:off x="2915816" y="2114107"/>
+                <a:ext cx="3240360" cy="1440160"/>
+              </a:xfrm>
+              <a:prstGeom prst="rect">
+                <a:avLst/>
+              </a:prstGeom>
+              <a:noFill/>
+              <a:ln w="38100"/>
+            </p:spPr>
+            <p:style>
+              <a:lnRef idx="2">
+                <a:schemeClr val="accent1">
+                  <a:shade val="50000"/>
+                </a:schemeClr>
+              </a:lnRef>
+              <a:fillRef idx="1">
+                <a:schemeClr val="accent1"/>
+              </a:fillRef>
+              <a:effectRef idx="0">
+                <a:schemeClr val="accent1"/>
+              </a:effectRef>
+              <a:fontRef idx="minor">
+                <a:schemeClr val="lt1"/>
+              </a:fontRef>
+            </p:style>
+            <p:txBody>
+              <a:bodyPr rtlCol="0" anchor="ctr"/>
+              <a:lstStyle/>
+              <a:p>
+                <a:pPr algn="ctr"/>
+                <a14:m>
+                  <m:oMathPara xmlns:m="http://schemas.openxmlformats.org/officeDocument/2006/math">
+                    <m:oMathParaPr>
+                      <m:jc m:val="centerGroup"/>
+                    </m:oMathParaPr>
+                    <m:oMath xmlns:m="http://schemas.openxmlformats.org/officeDocument/2006/math">
+                      <m:r>
+                        <a:rPr lang="en-US" sz="2400" b="0" i="1" smtClean="0">
+                          <a:solidFill>
+                            <a:schemeClr val="tx1"/>
+                          </a:solidFill>
+                          <a:latin typeface="Cambria Math"/>
+                        </a:rPr>
+                        <m:t>𝑠</m:t>
+                      </m:r>
+                      <m:r>
+                        <a:rPr lang="en-US" sz="2400" b="0" i="1" smtClean="0">
+                          <a:solidFill>
+                            <a:schemeClr val="tx1"/>
+                          </a:solidFill>
+                          <a:latin typeface="Cambria Math"/>
+                          <a:ea typeface="Cambria Math"/>
+                        </a:rPr>
+                        <m:t>∈</m:t>
+                      </m:r>
+                      <m:r>
+                        <a:rPr lang="en-US" sz="2400" b="0" i="1" smtClean="0">
+                          <a:solidFill>
+                            <a:schemeClr val="tx1"/>
+                          </a:solidFill>
+                          <a:latin typeface="Cambria Math"/>
+                          <a:ea typeface="Cambria Math"/>
+                        </a:rPr>
+                        <m:t>𝑆</m:t>
+                      </m:r>
+                    </m:oMath>
+                  </m:oMathPara>
+                </a14:m>
+                <a:endParaRPr lang="ru-RU" sz="2400" dirty="0">
+                  <a:solidFill>
+                    <a:schemeClr val="tx1"/>
+                  </a:solidFill>
+                </a:endParaRPr>
+              </a:p>
+            </p:txBody>
+          </p:sp>
+        </mc:Choice>
+        <mc:Fallback>
+          <p:sp>
+            <p:nvSpPr>
+              <p:cNvPr id="4" name="Прямоугольник 3"/>
+              <p:cNvSpPr>
+                <a:spLocks noRot="1" noChangeAspect="1" noMove="1" noResize="1" noEditPoints="1" noAdjustHandles="1" noChangeArrowheads="1" noChangeShapeType="1" noTextEdit="1"/>
+              </p:cNvSpPr>
+              <p:nvPr/>
+            </p:nvSpPr>
+            <p:spPr>
+              <a:xfrm>
+                <a:off x="2915816" y="2114107"/>
+                <a:ext cx="3240360" cy="1440160"/>
+              </a:xfrm>
+              <a:prstGeom prst="rect">
+                <a:avLst/>
+              </a:prstGeom>
+              <a:blipFill rotWithShape="1">
+                <a:blip r:embed="rId2"/>
+                <a:stretch>
+                  <a:fillRect/>
+                </a:stretch>
+              </a:blipFill>
+              <a:ln w="38100"/>
+            </p:spPr>
+            <p:txBody>
+              <a:bodyPr/>
+              <a:lstStyle/>
+              <a:p>
+                <a:r>
+                  <a:rPr lang="ru-RU">
+                    <a:noFill/>
+                  </a:rPr>
+                  <a:t> </a:t>
+                </a:r>
+              </a:p>
+            </p:txBody>
+          </p:sp>
+        </mc:Fallback>
+      </mc:AlternateContent>
+      <p:cxnSp>
+        <p:nvCxnSpPr>
+          <p:cNvPr id="6" name="Прямая со стрелкой 5"/>
+          <p:cNvCxnSpPr>
+            <a:endCxn id="4" idx="1"/>
+          </p:cNvCxnSpPr>
+          <p:nvPr/>
+        </p:nvCxnSpPr>
+        <p:spPr>
+          <a:xfrm>
+            <a:off x="1043608" y="2834187"/>
+            <a:ext cx="1872208" cy="0"/>
+          </a:xfrm>
+          <a:prstGeom prst="straightConnector1">
+            <a:avLst/>
+          </a:prstGeom>
+          <a:ln w="38100">
+            <a:tailEnd type="arrow"/>
+          </a:ln>
+        </p:spPr>
+        <p:style>
+          <a:lnRef idx="1">
+            <a:schemeClr val="accent1"/>
+          </a:lnRef>
+          <a:fillRef idx="0">
+            <a:schemeClr val="accent1"/>
+          </a:fillRef>
+          <a:effectRef idx="0">
+            <a:schemeClr val="accent1"/>
+          </a:effectRef>
+          <a:fontRef idx="minor">
+            <a:schemeClr val="tx1"/>
+          </a:fontRef>
+        </p:style>
+      </p:cxnSp>
+      <p:cxnSp>
+        <p:nvCxnSpPr>
+          <p:cNvPr id="8" name="Прямая со стрелкой 7"/>
+          <p:cNvCxnSpPr>
+            <a:stCxn id="4" idx="3"/>
+          </p:cNvCxnSpPr>
+          <p:nvPr/>
+        </p:nvCxnSpPr>
+        <p:spPr>
+          <a:xfrm>
+            <a:off x="6156176" y="2834187"/>
+            <a:ext cx="1872208" cy="0"/>
+          </a:xfrm>
+          <a:prstGeom prst="straightConnector1">
+            <a:avLst/>
+          </a:prstGeom>
+          <a:ln w="38100">
+            <a:tailEnd type="arrow"/>
+          </a:ln>
+        </p:spPr>
+        <p:style>
+          <a:lnRef idx="1">
+            <a:schemeClr val="accent1"/>
+          </a:lnRef>
+          <a:fillRef idx="0">
+            <a:schemeClr val="accent1"/>
+          </a:fillRef>
+          <a:effectRef idx="0">
+            <a:schemeClr val="accent1"/>
+          </a:effectRef>
+          <a:fontRef idx="minor">
+            <a:schemeClr val="tx1"/>
+          </a:fontRef>
+        </p:style>
+      </p:cxnSp>
+      <mc:AlternateContent xmlns:mc="http://schemas.openxmlformats.org/markup-compatibility/2006">
+        <mc:Choice xmlns:a14="http://schemas.microsoft.com/office/drawing/2010/main" Requires="a14">
+          <p:sp>
+            <p:nvSpPr>
+              <p:cNvPr id="9" name="Прямоугольник 8"/>
+              <p:cNvSpPr/>
+              <p:nvPr/>
+            </p:nvSpPr>
+            <p:spPr>
+              <a:xfrm>
+                <a:off x="1174690" y="2361489"/>
+                <a:ext cx="795218" cy="369332"/>
+              </a:xfrm>
+              <a:prstGeom prst="rect">
+                <a:avLst/>
+              </a:prstGeom>
+            </p:spPr>
+            <p:txBody>
+              <a:bodyPr wrap="none">
+                <a:spAutoFit/>
+              </a:bodyPr>
+              <a:lstStyle/>
+              <a:p>
+                <a:pPr algn="ctr"/>
+                <a14:m>
+                  <m:oMathPara xmlns:m="http://schemas.openxmlformats.org/officeDocument/2006/math">
+                    <m:oMathParaPr>
+                      <m:jc m:val="centerGroup"/>
+                    </m:oMathParaPr>
+                    <m:oMath xmlns:m="http://schemas.openxmlformats.org/officeDocument/2006/math">
+                      <m:r>
+                        <a:rPr lang="en-US" b="0" i="1" smtClean="0">
+                          <a:latin typeface="Cambria Math"/>
+                        </a:rPr>
+                        <m:t>𝑥</m:t>
+                      </m:r>
+                      <m:r>
+                        <a:rPr lang="en-US" i="1">
+                          <a:latin typeface="Cambria Math"/>
+                          <a:ea typeface="Cambria Math"/>
+                        </a:rPr>
+                        <m:t>∈</m:t>
+                      </m:r>
+                      <m:r>
+                        <a:rPr lang="en-US" b="0" i="1" smtClean="0">
+                          <a:latin typeface="Cambria Math"/>
+                          <a:ea typeface="Cambria Math"/>
+                        </a:rPr>
+                        <m:t>𝑋</m:t>
+                      </m:r>
+                    </m:oMath>
+                  </m:oMathPara>
+                </a14:m>
+                <a:endParaRPr lang="ru-RU" dirty="0"/>
+              </a:p>
+            </p:txBody>
+          </p:sp>
+        </mc:Choice>
+        <mc:Fallback>
+          <p:sp>
+            <p:nvSpPr>
+              <p:cNvPr id="9" name="Прямоугольник 8"/>
+              <p:cNvSpPr>
+                <a:spLocks noRot="1" noChangeAspect="1" noMove="1" noResize="1" noEditPoints="1" noAdjustHandles="1" noChangeArrowheads="1" noChangeShapeType="1" noTextEdit="1"/>
+              </p:cNvSpPr>
+              <p:nvPr/>
+            </p:nvSpPr>
+            <p:spPr>
+              <a:xfrm>
+                <a:off x="1174690" y="2361489"/>
+                <a:ext cx="795218" cy="369332"/>
+              </a:xfrm>
+              <a:prstGeom prst="rect">
+                <a:avLst/>
+              </a:prstGeom>
+              <a:blipFill rotWithShape="1">
+                <a:blip r:embed="rId3"/>
+                <a:stretch>
+                  <a:fillRect/>
+                </a:stretch>
+              </a:blipFill>
+            </p:spPr>
+            <p:txBody>
+              <a:bodyPr/>
+              <a:lstStyle/>
+              <a:p>
+                <a:r>
+                  <a:rPr lang="ru-RU">
+                    <a:noFill/>
+                  </a:rPr>
+                  <a:t> </a:t>
+                </a:r>
+              </a:p>
+            </p:txBody>
+          </p:sp>
+        </mc:Fallback>
+      </mc:AlternateContent>
+      <mc:AlternateContent xmlns:mc="http://schemas.openxmlformats.org/markup-compatibility/2006">
+        <mc:Choice xmlns:a14="http://schemas.microsoft.com/office/drawing/2010/main" Requires="a14">
+          <p:sp>
+            <p:nvSpPr>
+              <p:cNvPr id="10" name="Прямоугольник 9"/>
+              <p:cNvSpPr/>
+              <p:nvPr/>
+            </p:nvSpPr>
+            <p:spPr>
+              <a:xfrm>
+                <a:off x="6567994" y="2361489"/>
+                <a:ext cx="788999" cy="369332"/>
+              </a:xfrm>
+              <a:prstGeom prst="rect">
+                <a:avLst/>
+              </a:prstGeom>
+            </p:spPr>
+            <p:txBody>
+              <a:bodyPr wrap="none">
+                <a:spAutoFit/>
+              </a:bodyPr>
+              <a:lstStyle/>
+              <a:p>
+                <a:pPr algn="ctr"/>
+                <a14:m>
+                  <m:oMathPara xmlns:m="http://schemas.openxmlformats.org/officeDocument/2006/math">
+                    <m:oMathParaPr>
+                      <m:jc m:val="centerGroup"/>
+                    </m:oMathParaPr>
+                    <m:oMath xmlns:m="http://schemas.openxmlformats.org/officeDocument/2006/math">
+                      <m:r>
+                        <a:rPr lang="en-US" b="0" i="1" smtClean="0">
+                          <a:latin typeface="Cambria Math"/>
+                        </a:rPr>
+                        <m:t>𝑦</m:t>
+                      </m:r>
+                      <m:r>
+                        <a:rPr lang="en-US" i="1">
+                          <a:latin typeface="Cambria Math"/>
+                          <a:ea typeface="Cambria Math"/>
+                        </a:rPr>
+                        <m:t>∈</m:t>
+                      </m:r>
+                      <m:r>
+                        <a:rPr lang="en-US" b="0" i="1" smtClean="0">
+                          <a:latin typeface="Cambria Math"/>
+                          <a:ea typeface="Cambria Math"/>
+                        </a:rPr>
+                        <m:t>𝑌</m:t>
+                      </m:r>
+                    </m:oMath>
+                  </m:oMathPara>
+                </a14:m>
+                <a:endParaRPr lang="ru-RU" dirty="0"/>
+              </a:p>
+            </p:txBody>
+          </p:sp>
+        </mc:Choice>
+        <mc:Fallback>
+          <p:sp>
+            <p:nvSpPr>
+              <p:cNvPr id="10" name="Прямоугольник 9"/>
+              <p:cNvSpPr>
+                <a:spLocks noRot="1" noChangeAspect="1" noMove="1" noResize="1" noEditPoints="1" noAdjustHandles="1" noChangeArrowheads="1" noChangeShapeType="1" noTextEdit="1"/>
+              </p:cNvSpPr>
+              <p:nvPr/>
+            </p:nvSpPr>
+            <p:spPr>
+              <a:xfrm>
+                <a:off x="6567994" y="2361489"/>
+                <a:ext cx="788999" cy="369332"/>
+              </a:xfrm>
+              <a:prstGeom prst="rect">
+                <a:avLst/>
+              </a:prstGeom>
+              <a:blipFill rotWithShape="1">
+                <a:blip r:embed="rId4"/>
+                <a:stretch>
+                  <a:fillRect b="-4918"/>
+                </a:stretch>
+              </a:blipFill>
+            </p:spPr>
+            <p:txBody>
+              <a:bodyPr/>
+              <a:lstStyle/>
+              <a:p>
+                <a:r>
+                  <a:rPr lang="ru-RU">
+                    <a:noFill/>
+                  </a:rPr>
+                  <a:t> </a:t>
+                </a:r>
+              </a:p>
+            </p:txBody>
+          </p:sp>
+        </mc:Fallback>
+      </mc:AlternateContent>
+      <p:sp>
+        <p:nvSpPr>
+          <p:cNvPr id="12" name="AutoShape 3" descr="\delta :S\times X\rightarrow S"/>
+          <p:cNvSpPr>
+            <a:spLocks noChangeAspect="1" noChangeArrowheads="1"/>
+          </p:cNvSpPr>
+          <p:nvPr/>
+        </p:nvSpPr>
+        <p:spPr bwMode="auto">
+          <a:xfrm>
+            <a:off x="11545888" y="-144463"/>
+            <a:ext cx="304800" cy="304801"/>
+          </a:xfrm>
+          <a:prstGeom prst="rect">
+            <a:avLst/>
+          </a:prstGeom>
+          <a:noFill/>
+          <a:extLst>
+            <a:ext uri="{909E8E84-426E-40DD-AFC4-6F175D3DCCD1}">
+              <a14:hiddenFill xmlns:a14="http://schemas.microsoft.com/office/drawing/2010/main">
+                <a:solidFill>
+                  <a:srgbClr val="FFFFFF"/>
+                </a:solidFill>
+              </a14:hiddenFill>
+            </a:ext>
+          </a:extLst>
+        </p:spPr>
+        <p:txBody>
+          <a:bodyPr vert="horz" wrap="square" lIns="91440" tIns="45720" rIns="91440" bIns="45720" numCol="1" anchor="t" anchorCtr="0" compatLnSpc="1">
+            <a:prstTxWarp prst="textNoShape">
+              <a:avLst/>
+            </a:prstTxWarp>
+          </a:bodyPr>
+          <a:lstStyle/>
+          <a:p>
+            <a:endParaRPr lang="ru-RU"/>
+          </a:p>
+        </p:txBody>
+      </p:sp>
+      <p:sp>
+        <p:nvSpPr>
+          <p:cNvPr id="13" name="AutoShape 4" descr="\lambda :S\times X\rightarrow Y"/>
+          <p:cNvSpPr>
+            <a:spLocks noChangeAspect="1" noChangeArrowheads="1"/>
+          </p:cNvSpPr>
+          <p:nvPr/>
+        </p:nvSpPr>
+        <p:spPr bwMode="auto">
+          <a:xfrm>
+            <a:off x="13079413" y="-144463"/>
+            <a:ext cx="304800" cy="304801"/>
+          </a:xfrm>
+          <a:prstGeom prst="rect">
+            <a:avLst/>
+          </a:prstGeom>
+          <a:noFill/>
+          <a:extLst>
+            <a:ext uri="{909E8E84-426E-40DD-AFC4-6F175D3DCCD1}">
+              <a14:hiddenFill xmlns:a14="http://schemas.microsoft.com/office/drawing/2010/main">
+                <a:solidFill>
+                  <a:srgbClr val="FFFFFF"/>
+                </a:solidFill>
+              </a14:hiddenFill>
+            </a:ext>
+          </a:extLst>
+        </p:spPr>
+        <p:txBody>
+          <a:bodyPr vert="horz" wrap="square" lIns="91440" tIns="45720" rIns="91440" bIns="45720" numCol="1" anchor="t" anchorCtr="0" compatLnSpc="1">
+            <a:prstTxWarp prst="textNoShape">
+              <a:avLst/>
+            </a:prstTxWarp>
+          </a:bodyPr>
+          <a:lstStyle/>
+          <a:p>
+            <a:endParaRPr lang="ru-RU"/>
+          </a:p>
+        </p:txBody>
+      </p:sp>
+      <mc:AlternateContent xmlns:mc="http://schemas.openxmlformats.org/markup-compatibility/2006">
+        <mc:Choice xmlns:a14="http://schemas.microsoft.com/office/drawing/2010/main" Requires="a14">
+          <p:sp>
+            <p:nvSpPr>
+              <p:cNvPr id="14" name="Прямоугольник 13"/>
+              <p:cNvSpPr/>
+              <p:nvPr/>
+            </p:nvSpPr>
+            <p:spPr>
+              <a:xfrm>
+                <a:off x="827584" y="4164609"/>
+                <a:ext cx="7632848" cy="1631216"/>
+              </a:xfrm>
+              <a:prstGeom prst="rect">
+                <a:avLst/>
+              </a:prstGeom>
+            </p:spPr>
+            <p:txBody>
+              <a:bodyPr wrap="square">
+                <a:spAutoFit/>
+              </a:bodyPr>
+              <a:lstStyle/>
+              <a:p>
+                <a:pPr lvl="0" fontAlgn="base">
+                  <a:spcBef>
+                    <a:spcPct val="0"/>
+                  </a:spcBef>
+                  <a:spcAft>
+                    <a:spcPct val="0"/>
+                  </a:spcAft>
+                </a:pPr>
+                <a:r>
+                  <a:rPr lang="ru-RU" altLang="ru-RU" sz="2000" dirty="0" smtClean="0">
+                    <a:solidFill>
+                      <a:srgbClr val="222222"/>
+                    </a:solidFill>
+                    <a:latin typeface="Arial" charset="0"/>
+                    <a:cs typeface="Arial" charset="0"/>
+                  </a:rPr>
+                  <a:t>S —</a:t>
+                </a:r>
+                <a:r>
+                  <a:rPr lang="en-US" altLang="ru-RU" sz="2000" dirty="0" smtClean="0">
+                    <a:solidFill>
+                      <a:srgbClr val="222222"/>
+                    </a:solidFill>
+                    <a:latin typeface="Arial" charset="0"/>
+                    <a:cs typeface="Arial" charset="0"/>
+                  </a:rPr>
+                  <a:t> </a:t>
+                </a:r>
+                <a:r>
+                  <a:rPr lang="ru-RU" altLang="ru-RU" sz="2000" dirty="0" smtClean="0">
+                    <a:solidFill>
+                      <a:srgbClr val="222222"/>
+                    </a:solidFill>
+                    <a:latin typeface="Arial" charset="0"/>
+                    <a:cs typeface="Arial" charset="0"/>
+                  </a:rPr>
+                  <a:t>множество состояний автомата</a:t>
+                </a:r>
+                <a:r>
+                  <a:rPr lang="ru-RU" altLang="ru-RU" sz="2000" dirty="0">
+                    <a:solidFill>
+                      <a:srgbClr val="222222"/>
+                    </a:solidFill>
+                    <a:latin typeface="Arial" charset="0"/>
+                    <a:cs typeface="Arial" charset="0"/>
+                  </a:rPr>
+                  <a:t>, </a:t>
+                </a:r>
+                <a:endParaRPr lang="en-US" altLang="ru-RU" sz="2000" dirty="0" smtClean="0">
+                  <a:solidFill>
+                    <a:srgbClr val="222222"/>
+                  </a:solidFill>
+                  <a:latin typeface="Arial" charset="0"/>
+                  <a:cs typeface="Arial" charset="0"/>
+                </a:endParaRPr>
+              </a:p>
+              <a:p>
+                <a:pPr lvl="0" fontAlgn="base">
+                  <a:spcBef>
+                    <a:spcPct val="0"/>
+                  </a:spcBef>
+                  <a:spcAft>
+                    <a:spcPct val="0"/>
+                  </a:spcAft>
+                </a:pPr>
+                <a:r>
+                  <a:rPr lang="ru-RU" altLang="ru-RU" sz="2000" dirty="0" smtClean="0">
+                    <a:solidFill>
+                      <a:srgbClr val="222222"/>
+                    </a:solidFill>
+                    <a:latin typeface="Arial" charset="0"/>
+                    <a:cs typeface="Arial" charset="0"/>
+                  </a:rPr>
+                  <a:t>X</a:t>
+                </a:r>
+                <a:r>
+                  <a:rPr lang="ru-RU" altLang="ru-RU" sz="2000" dirty="0">
+                    <a:solidFill>
+                      <a:srgbClr val="222222"/>
+                    </a:solidFill>
+                    <a:latin typeface="Arial" charset="0"/>
+                    <a:cs typeface="Arial" charset="0"/>
+                  </a:rPr>
+                  <a:t>, Y </a:t>
+                </a:r>
+                <a:r>
+                  <a:rPr lang="ru-RU" altLang="ru-RU" sz="2000" dirty="0" smtClean="0">
+                    <a:solidFill>
+                      <a:srgbClr val="222222"/>
+                    </a:solidFill>
+                    <a:latin typeface="Arial" charset="0"/>
+                    <a:cs typeface="Arial" charset="0"/>
+                  </a:rPr>
+                  <a:t>—</a:t>
+                </a:r>
+                <a:r>
+                  <a:rPr lang="en-US" altLang="ru-RU" sz="2000" dirty="0" smtClean="0">
+                    <a:solidFill>
+                      <a:srgbClr val="222222"/>
+                    </a:solidFill>
+                    <a:latin typeface="Arial" charset="0"/>
+                    <a:cs typeface="Arial" charset="0"/>
+                  </a:rPr>
+                  <a:t> </a:t>
+                </a:r>
+                <a:r>
+                  <a:rPr lang="ru-RU" altLang="ru-RU" sz="2000" dirty="0" smtClean="0">
+                    <a:solidFill>
+                      <a:srgbClr val="222222"/>
+                    </a:solidFill>
+                    <a:latin typeface="Arial" charset="0"/>
+                    <a:cs typeface="Arial" charset="0"/>
+                  </a:rPr>
+                  <a:t>входной </a:t>
+                </a:r>
+                <a:r>
+                  <a:rPr lang="ru-RU" altLang="ru-RU" sz="2000" dirty="0">
+                    <a:solidFill>
+                      <a:srgbClr val="222222"/>
+                    </a:solidFill>
+                    <a:latin typeface="Arial" charset="0"/>
+                    <a:cs typeface="Arial" charset="0"/>
+                  </a:rPr>
+                  <a:t>и выходной </a:t>
+                </a:r>
+                <a:r>
+                  <a:rPr lang="ru-RU" altLang="ru-RU" sz="2000" dirty="0" smtClean="0">
+                    <a:solidFill>
+                      <a:srgbClr val="222222"/>
+                    </a:solidFill>
+                    <a:latin typeface="Arial" charset="0"/>
+                    <a:cs typeface="Arial" charset="0"/>
+                  </a:rPr>
+                  <a:t>алфавиты, </a:t>
+                </a:r>
+                <a:r>
+                  <a:rPr lang="ru-RU" altLang="ru-RU" sz="2000" dirty="0">
+                    <a:solidFill>
+                      <a:srgbClr val="222222"/>
+                    </a:solidFill>
+                    <a:latin typeface="Arial" charset="0"/>
+                    <a:cs typeface="Arial" charset="0"/>
+                  </a:rPr>
+                  <a:t>из которых формируются </a:t>
+                </a:r>
+                <a:r>
+                  <a:rPr lang="ru-RU" altLang="ru-RU" sz="2000" dirty="0" smtClean="0">
+                    <a:solidFill>
+                      <a:srgbClr val="222222"/>
+                    </a:solidFill>
+                    <a:latin typeface="Arial" charset="0"/>
+                    <a:cs typeface="Arial" charset="0"/>
+                  </a:rPr>
+                  <a:t>строки, считываемые </a:t>
+                </a:r>
+                <a:r>
+                  <a:rPr lang="ru-RU" altLang="ru-RU" sz="2000" dirty="0">
+                    <a:solidFill>
+                      <a:srgbClr val="222222"/>
+                    </a:solidFill>
+                    <a:latin typeface="Arial" charset="0"/>
+                    <a:cs typeface="Arial" charset="0"/>
+                  </a:rPr>
+                  <a:t>и выдаваемые автоматом</a:t>
+                </a:r>
+                <a:r>
+                  <a:rPr lang="ru-RU" altLang="ru-RU" sz="2000" dirty="0" smtClean="0">
+                    <a:solidFill>
+                      <a:srgbClr val="222222"/>
+                    </a:solidFill>
+                    <a:latin typeface="Arial" charset="0"/>
+                    <a:cs typeface="Arial" charset="0"/>
+                  </a:rPr>
+                  <a:t>,</a:t>
+                </a:r>
+              </a:p>
+              <a:p>
+                <a:pPr lvl="0" fontAlgn="base">
+                  <a:spcBef>
+                    <a:spcPct val="0"/>
+                  </a:spcBef>
+                  <a:spcAft>
+                    <a:spcPct val="0"/>
+                  </a:spcAft>
+                </a:pPr>
+                <a14:m>
+                  <m:oMath xmlns:m="http://schemas.openxmlformats.org/officeDocument/2006/math">
+                    <m:r>
+                      <a:rPr lang="en-US" altLang="ru-RU" sz="2000" i="1" smtClean="0">
+                        <a:solidFill>
+                          <a:srgbClr val="222222"/>
+                        </a:solidFill>
+                        <a:latin typeface="Cambria Math"/>
+                        <a:ea typeface="Cambria Math"/>
+                        <a:cs typeface="Arial" charset="0"/>
+                      </a:rPr>
+                      <m:t>𝛿</m:t>
+                    </m:r>
+                    <m:r>
+                      <a:rPr lang="en-US" altLang="ru-RU" sz="2000" b="0" i="1" smtClean="0">
+                        <a:solidFill>
+                          <a:srgbClr val="222222"/>
+                        </a:solidFill>
+                        <a:latin typeface="Cambria Math"/>
+                        <a:ea typeface="Cambria Math"/>
+                        <a:cs typeface="Arial" charset="0"/>
+                      </a:rPr>
+                      <m:t>:</m:t>
+                    </m:r>
+                    <m:r>
+                      <a:rPr lang="en-US" altLang="ru-RU" sz="2000" b="0" i="1" smtClean="0">
+                        <a:solidFill>
+                          <a:srgbClr val="222222"/>
+                        </a:solidFill>
+                        <a:latin typeface="Cambria Math"/>
+                        <a:ea typeface="Cambria Math"/>
+                        <a:cs typeface="Arial" charset="0"/>
+                      </a:rPr>
+                      <m:t>𝑆</m:t>
+                    </m:r>
+                    <m:r>
+                      <a:rPr lang="en-US" altLang="ru-RU" sz="2000" b="0" i="1" smtClean="0">
+                        <a:solidFill>
+                          <a:srgbClr val="222222"/>
+                        </a:solidFill>
+                        <a:latin typeface="Cambria Math"/>
+                        <a:ea typeface="Cambria Math"/>
+                        <a:cs typeface="Arial" charset="0"/>
+                      </a:rPr>
+                      <m:t>×</m:t>
+                    </m:r>
+                    <m:r>
+                      <a:rPr lang="en-US" altLang="ru-RU" sz="2000" b="0" i="1" smtClean="0">
+                        <a:solidFill>
+                          <a:srgbClr val="222222"/>
+                        </a:solidFill>
+                        <a:latin typeface="Cambria Math"/>
+                        <a:ea typeface="Cambria Math"/>
+                        <a:cs typeface="Arial" charset="0"/>
+                      </a:rPr>
+                      <m:t>𝑋</m:t>
+                    </m:r>
+                    <m:r>
+                      <a:rPr lang="en-US" altLang="ru-RU" sz="2000" b="0" i="1" smtClean="0">
+                        <a:solidFill>
+                          <a:srgbClr val="222222"/>
+                        </a:solidFill>
+                        <a:latin typeface="Cambria Math"/>
+                        <a:ea typeface="Cambria Math"/>
+                        <a:cs typeface="Arial" charset="0"/>
+                      </a:rPr>
+                      <m:t>→</m:t>
+                    </m:r>
+                    <m:r>
+                      <a:rPr lang="en-US" altLang="ru-RU" sz="2000" b="0" i="1" smtClean="0">
+                        <a:solidFill>
+                          <a:srgbClr val="222222"/>
+                        </a:solidFill>
+                        <a:latin typeface="Cambria Math"/>
+                        <a:ea typeface="Cambria Math"/>
+                        <a:cs typeface="Arial" charset="0"/>
+                      </a:rPr>
+                      <m:t>𝑆</m:t>
+                    </m:r>
+                  </m:oMath>
+                </a14:m>
+                <a:r>
+                  <a:rPr lang="ru-RU" altLang="ru-RU" sz="2000" dirty="0">
+                    <a:solidFill>
+                      <a:srgbClr val="222222"/>
+                    </a:solidFill>
+                    <a:latin typeface="Arial" charset="0"/>
+                    <a:cs typeface="Arial" charset="0"/>
+                  </a:rPr>
+                  <a:t> </a:t>
+                </a:r>
+                <a:r>
+                  <a:rPr lang="ru-RU" altLang="ru-RU" sz="2000" dirty="0" smtClean="0">
+                    <a:solidFill>
+                      <a:srgbClr val="222222"/>
+                    </a:solidFill>
+                    <a:latin typeface="Arial" charset="0"/>
+                    <a:cs typeface="Arial" charset="0"/>
+                  </a:rPr>
+                  <a:t>— </a:t>
+                </a:r>
+                <a:r>
+                  <a:rPr lang="ru-RU" altLang="ru-RU" sz="2000" dirty="0">
+                    <a:solidFill>
+                      <a:srgbClr val="222222"/>
+                    </a:solidFill>
+                    <a:latin typeface="Arial" charset="0"/>
+                    <a:cs typeface="Arial" charset="0"/>
+                  </a:rPr>
+                  <a:t>функция переходов, </a:t>
+                </a:r>
+                <a:endParaRPr lang="ru-RU" altLang="ru-RU" sz="2000" dirty="0" smtClean="0">
+                  <a:solidFill>
+                    <a:srgbClr val="222222"/>
+                  </a:solidFill>
+                  <a:latin typeface="Arial" charset="0"/>
+                  <a:cs typeface="Arial" charset="0"/>
+                </a:endParaRPr>
+              </a:p>
+              <a:p>
+                <a:pPr lvl="0" fontAlgn="base">
+                  <a:spcBef>
+                    <a:spcPct val="0"/>
+                  </a:spcBef>
+                  <a:spcAft>
+                    <a:spcPct val="0"/>
+                  </a:spcAft>
+                </a:pPr>
+                <a14:m>
+                  <m:oMath xmlns:m="http://schemas.openxmlformats.org/officeDocument/2006/math">
+                    <m:r>
+                      <a:rPr lang="en-US" altLang="ru-RU" sz="2000" i="1" smtClean="0">
+                        <a:solidFill>
+                          <a:srgbClr val="222222"/>
+                        </a:solidFill>
+                        <a:latin typeface="Cambria Math"/>
+                        <a:ea typeface="Cambria Math"/>
+                        <a:cs typeface="Arial" charset="0"/>
+                      </a:rPr>
+                      <m:t>𝜃</m:t>
+                    </m:r>
+                    <m:r>
+                      <a:rPr lang="en-US" altLang="ru-RU" sz="2000" i="1">
+                        <a:solidFill>
+                          <a:srgbClr val="222222"/>
+                        </a:solidFill>
+                        <a:latin typeface="Cambria Math"/>
+                        <a:ea typeface="Cambria Math"/>
+                        <a:cs typeface="Arial" charset="0"/>
+                      </a:rPr>
+                      <m:t>:</m:t>
+                    </m:r>
+                    <m:r>
+                      <a:rPr lang="en-US" altLang="ru-RU" sz="2000" i="1">
+                        <a:solidFill>
+                          <a:srgbClr val="222222"/>
+                        </a:solidFill>
+                        <a:latin typeface="Cambria Math"/>
+                        <a:ea typeface="Cambria Math"/>
+                        <a:cs typeface="Arial" charset="0"/>
+                      </a:rPr>
+                      <m:t>𝑆</m:t>
+                    </m:r>
+                    <m:r>
+                      <a:rPr lang="en-US" altLang="ru-RU" sz="2000" i="1">
+                        <a:solidFill>
+                          <a:srgbClr val="222222"/>
+                        </a:solidFill>
+                        <a:latin typeface="Cambria Math"/>
+                        <a:ea typeface="Cambria Math"/>
+                        <a:cs typeface="Arial" charset="0"/>
+                      </a:rPr>
+                      <m:t>×</m:t>
+                    </m:r>
+                    <m:r>
+                      <a:rPr lang="en-US" altLang="ru-RU" sz="2000" i="1">
+                        <a:solidFill>
+                          <a:srgbClr val="222222"/>
+                        </a:solidFill>
+                        <a:latin typeface="Cambria Math"/>
+                        <a:ea typeface="Cambria Math"/>
+                        <a:cs typeface="Arial" charset="0"/>
+                      </a:rPr>
+                      <m:t>𝑋</m:t>
+                    </m:r>
+                    <m:r>
+                      <a:rPr lang="en-US" altLang="ru-RU" sz="2000" i="1">
+                        <a:solidFill>
+                          <a:srgbClr val="222222"/>
+                        </a:solidFill>
+                        <a:latin typeface="Cambria Math"/>
+                        <a:ea typeface="Cambria Math"/>
+                        <a:cs typeface="Arial" charset="0"/>
+                      </a:rPr>
+                      <m:t>→</m:t>
+                    </m:r>
+                    <m:r>
+                      <a:rPr lang="en-US" altLang="ru-RU" sz="2000" b="0" i="1" smtClean="0">
+                        <a:solidFill>
+                          <a:srgbClr val="222222"/>
+                        </a:solidFill>
+                        <a:latin typeface="Cambria Math"/>
+                        <a:ea typeface="Cambria Math"/>
+                        <a:cs typeface="Arial" charset="0"/>
+                      </a:rPr>
+                      <m:t>𝑌</m:t>
+                    </m:r>
+                  </m:oMath>
+                </a14:m>
+                <a:r>
+                  <a:rPr lang="ru-RU" altLang="ru-RU" sz="2000" dirty="0">
+                    <a:solidFill>
+                      <a:srgbClr val="222222"/>
+                    </a:solidFill>
+                    <a:latin typeface="Arial" charset="0"/>
+                    <a:cs typeface="Arial" charset="0"/>
+                  </a:rPr>
+                  <a:t> </a:t>
+                </a:r>
+                <a:r>
+                  <a:rPr lang="ru-RU" altLang="ru-RU" sz="2000" dirty="0" smtClean="0">
+                    <a:solidFill>
+                      <a:srgbClr val="222222"/>
+                    </a:solidFill>
+                    <a:latin typeface="Arial" charset="0"/>
+                    <a:cs typeface="Arial" charset="0"/>
+                  </a:rPr>
+                  <a:t>— </a:t>
+                </a:r>
+                <a:r>
+                  <a:rPr lang="ru-RU" altLang="ru-RU" sz="2000" dirty="0">
+                    <a:solidFill>
+                      <a:srgbClr val="222222"/>
+                    </a:solidFill>
+                    <a:latin typeface="Arial" charset="0"/>
+                    <a:cs typeface="Arial" charset="0"/>
+                  </a:rPr>
+                  <a:t>функция выходов.</a:t>
+                </a:r>
+                <a:r>
+                  <a:rPr lang="ru-RU" altLang="ru-RU" sz="2000" dirty="0">
+                    <a:latin typeface="Arial" charset="0"/>
+                    <a:cs typeface="Arial" charset="0"/>
+                  </a:rPr>
+                  <a:t> </a:t>
+                </a:r>
+                <a:endParaRPr lang="ru-RU" altLang="ru-RU" sz="2000" dirty="0">
+                  <a:solidFill>
+                    <a:srgbClr val="222222"/>
+                  </a:solidFill>
+                  <a:latin typeface="Arial" charset="0"/>
+                  <a:cs typeface="Arial" charset="0"/>
+                </a:endParaRPr>
+              </a:p>
+            </p:txBody>
+          </p:sp>
+        </mc:Choice>
+        <mc:Fallback>
+          <p:sp>
+            <p:nvSpPr>
+              <p:cNvPr id="14" name="Прямоугольник 13"/>
+              <p:cNvSpPr>
+                <a:spLocks noRot="1" noChangeAspect="1" noMove="1" noResize="1" noEditPoints="1" noAdjustHandles="1" noChangeArrowheads="1" noChangeShapeType="1" noTextEdit="1"/>
+              </p:cNvSpPr>
+              <p:nvPr/>
+            </p:nvSpPr>
+            <p:spPr>
+              <a:xfrm>
+                <a:off x="827584" y="4164609"/>
+                <a:ext cx="7632848" cy="1631216"/>
+              </a:xfrm>
+              <a:prstGeom prst="rect">
+                <a:avLst/>
+              </a:prstGeom>
+              <a:blipFill rotWithShape="1">
+                <a:blip r:embed="rId5"/>
+                <a:stretch>
+                  <a:fillRect l="-879" t="-1493" r="-719" b="-5970"/>
+                </a:stretch>
+              </a:blipFill>
+            </p:spPr>
+            <p:txBody>
+              <a:bodyPr/>
+              <a:lstStyle/>
+              <a:p>
+                <a:r>
+                  <a:rPr lang="ru-RU">
+                    <a:noFill/>
+                  </a:rPr>
+                  <a:t> </a:t>
+                </a:r>
+              </a:p>
+            </p:txBody>
+          </p:sp>
+        </mc:Fallback>
+      </mc:AlternateContent>
+    </p:spTree>
+    <p:extLst>
+      <p:ext uri="{BB962C8B-B14F-4D97-AF65-F5344CB8AC3E}">
+        <p14:creationId xmlns:p14="http://schemas.microsoft.com/office/powerpoint/2010/main" val="2313410075"/>
+      </p:ext>
+    </p:extLst>
+  </p:cSld>
+  <p:clrMapOvr>
+    <a:masterClrMapping/>
+  </p:clrMapOvr>
+</p:sld>
+</file>
+
+<file path=ppt/slides/slide2.xml><?xml version="1.0" encoding="utf-8"?>
+<p:sld xmlns:a="http://schemas.openxmlformats.org/drawingml/2006/main" xmlns:r="http://schemas.openxmlformats.org/officeDocument/2006/relationships" xmlns:p="http://schemas.openxmlformats.org/presentationml/2006/main">
+  <p:cSld>
+    <p:spTree>
+      <p:nvGrpSpPr>
+        <p:cNvPr id="1" name=""/>
+        <p:cNvGrpSpPr/>
+        <p:nvPr/>
+      </p:nvGrpSpPr>
+      <p:grpSpPr>
+        <a:xfrm>
+          <a:off x="0" y="0"/>
+          <a:ext cx="0" cy="0"/>
+          <a:chOff x="0" y="0"/>
+          <a:chExt cx="0" cy="0"/>
+        </a:xfrm>
+      </p:grpSpPr>
+      <p:sp>
+        <p:nvSpPr>
+          <p:cNvPr id="2" name="Заголовок 1"/>
+          <p:cNvSpPr>
+            <a:spLocks noGrp="1"/>
+          </p:cNvSpPr>
+          <p:nvPr>
+            <p:ph type="title"/>
+          </p:nvPr>
+        </p:nvSpPr>
+        <p:spPr/>
+        <p:txBody>
+          <a:bodyPr>
+            <a:normAutofit fontScale="90000"/>
+          </a:bodyPr>
+          <a:lstStyle/>
+          <a:p>
+            <a:r>
+              <a:rPr lang="uk-UA" dirty="0" err="1" smtClean="0"/>
+              <a:t>Определение</a:t>
+            </a:r>
+            <a:r>
+              <a:rPr lang="uk-UA" dirty="0" smtClean="0"/>
+              <a:t> конечного автомата</a:t>
+            </a:r>
+            <a:endParaRPr lang="ru-RU" dirty="0"/>
+          </a:p>
+        </p:txBody>
+      </p:sp>
+      <p:sp>
+        <p:nvSpPr>
+          <p:cNvPr id="4" name="AutoShape 2" descr="{\displaystyle M=(V,Q,q_{0},F,\delta )}"/>
+          <p:cNvSpPr>
+            <a:spLocks noChangeAspect="1" noChangeArrowheads="1"/>
+          </p:cNvSpPr>
+          <p:nvPr/>
+        </p:nvSpPr>
+        <p:spPr bwMode="auto">
+          <a:xfrm>
+            <a:off x="155575" y="-144463"/>
+            <a:ext cx="304800" cy="304801"/>
+          </a:xfrm>
+          <a:prstGeom prst="rect">
+            <a:avLst/>
+          </a:prstGeom>
+          <a:noFill/>
+          <a:extLst>
+            <a:ext uri="{909E8E84-426E-40DD-AFC4-6F175D3DCCD1}">
+              <a14:hiddenFill xmlns:a14="http://schemas.microsoft.com/office/drawing/2010/main">
+                <a:solidFill>
+                  <a:srgbClr val="FFFFFF"/>
+                </a:solidFill>
+              </a14:hiddenFill>
+            </a:ext>
+          </a:extLst>
+        </p:spPr>
+        <p:txBody>
+          <a:bodyPr vert="horz" wrap="square" lIns="91440" tIns="45720" rIns="91440" bIns="45720" numCol="1" anchor="t" anchorCtr="0" compatLnSpc="1">
+            <a:prstTxWarp prst="textNoShape">
+              <a:avLst/>
+            </a:prstTxWarp>
+          </a:bodyPr>
+          <a:lstStyle/>
+          <a:p>
+            <a:endParaRPr lang="ru-RU"/>
+          </a:p>
+        </p:txBody>
+      </p:sp>
+      <mc:AlternateContent xmlns:mc="http://schemas.openxmlformats.org/markup-compatibility/2006">
+        <mc:Choice xmlns:a14="http://schemas.microsoft.com/office/drawing/2010/main" Requires="a14">
+          <p:sp>
+            <p:nvSpPr>
+              <p:cNvPr id="7" name="TextBox 6"/>
+              <p:cNvSpPr txBox="1"/>
+              <p:nvPr/>
+            </p:nvSpPr>
+            <p:spPr>
+              <a:xfrm>
+                <a:off x="460375" y="1556792"/>
+                <a:ext cx="2159117" cy="369332"/>
+              </a:xfrm>
+              <a:prstGeom prst="rect">
+                <a:avLst/>
+              </a:prstGeom>
+              <a:noFill/>
+            </p:spPr>
+            <p:txBody>
+              <a:bodyPr wrap="none" rtlCol="0">
+                <a:spAutoFit/>
+              </a:bodyPr>
+              <a:lstStyle/>
+              <a:p>
+                <a14:m>
+                  <m:oMathPara xmlns:m="http://schemas.openxmlformats.org/officeDocument/2006/math">
+                    <m:oMathParaPr>
+                      <m:jc m:val="centerGroup"/>
+                    </m:oMathParaPr>
+                    <m:oMath xmlns:m="http://schemas.openxmlformats.org/officeDocument/2006/math">
+                      <m:r>
+                        <a:rPr lang="en-US" b="0" i="1" smtClean="0">
+                          <a:latin typeface="Cambria Math"/>
+                        </a:rPr>
+                        <m:t>𝑀</m:t>
+                      </m:r>
+                      <m:r>
+                        <a:rPr lang="en-US" b="0" i="1" smtClean="0">
+                          <a:latin typeface="Cambria Math"/>
+                        </a:rPr>
+                        <m:t>=(</m:t>
+                      </m:r>
+                      <m:r>
+                        <a:rPr lang="en-US" b="0" i="1" smtClean="0">
+                          <a:latin typeface="Cambria Math"/>
+                        </a:rPr>
+                        <m:t>𝑉</m:t>
+                      </m:r>
+                      <m:r>
+                        <a:rPr lang="en-US" b="0" i="1" smtClean="0">
+                          <a:latin typeface="Cambria Math"/>
+                        </a:rPr>
+                        <m:t>,</m:t>
+                      </m:r>
+                      <m:r>
+                        <a:rPr lang="en-US" b="0" i="1" smtClean="0">
+                          <a:latin typeface="Cambria Math"/>
+                        </a:rPr>
+                        <m:t>𝑄</m:t>
+                      </m:r>
+                      <m:r>
+                        <a:rPr lang="en-US" b="0" i="1" smtClean="0">
+                          <a:latin typeface="Cambria Math"/>
+                        </a:rPr>
+                        <m:t>,</m:t>
+                      </m:r>
+                      <m:sSub>
+                        <m:sSubPr>
+                          <m:ctrlPr>
+                            <a:rPr lang="en-US" b="0" i="1" smtClean="0">
+                              <a:latin typeface="Cambria Math"/>
+                            </a:rPr>
+                          </m:ctrlPr>
+                        </m:sSubPr>
+                        <m:e>
+                          <m:r>
+                            <a:rPr lang="en-US" b="0" i="1" smtClean="0">
+                              <a:latin typeface="Cambria Math"/>
+                            </a:rPr>
+                            <m:t>𝑞</m:t>
+                          </m:r>
+                        </m:e>
+                        <m:sub>
+                          <m:r>
+                            <a:rPr lang="en-US" b="0" i="1" smtClean="0">
+                              <a:latin typeface="Cambria Math"/>
+                            </a:rPr>
+                            <m:t>0</m:t>
+                          </m:r>
+                        </m:sub>
+                      </m:sSub>
+                      <m:r>
+                        <a:rPr lang="en-US" b="0" i="1" smtClean="0">
+                          <a:latin typeface="Cambria Math"/>
+                        </a:rPr>
+                        <m:t>,</m:t>
+                      </m:r>
+                      <m:r>
+                        <a:rPr lang="en-US" b="0" i="1" smtClean="0">
+                          <a:latin typeface="Cambria Math"/>
+                        </a:rPr>
+                        <m:t>𝐹</m:t>
+                      </m:r>
+                      <m:r>
+                        <a:rPr lang="en-US" b="0" i="1" smtClean="0">
+                          <a:latin typeface="Cambria Math"/>
+                        </a:rPr>
+                        <m:t>,</m:t>
+                      </m:r>
+                      <m:r>
+                        <a:rPr lang="en-US" b="0" i="1" smtClean="0">
+                          <a:latin typeface="Cambria Math"/>
+                          <a:ea typeface="Cambria Math"/>
+                        </a:rPr>
+                        <m:t>𝛿</m:t>
+                      </m:r>
+                      <m:r>
+                        <a:rPr lang="en-US" b="0" i="1" smtClean="0">
+                          <a:latin typeface="Cambria Math"/>
+                        </a:rPr>
+                        <m:t>)</m:t>
+                      </m:r>
+                    </m:oMath>
+                  </m:oMathPara>
+                </a14:m>
+                <a:endParaRPr lang="ru-RU" dirty="0"/>
+              </a:p>
+            </p:txBody>
+          </p:sp>
+        </mc:Choice>
+        <mc:Fallback>
+          <p:sp>
+            <p:nvSpPr>
+              <p:cNvPr id="7" name="TextBox 6"/>
+              <p:cNvSpPr txBox="1">
+                <a:spLocks noRot="1" noChangeAspect="1" noMove="1" noResize="1" noEditPoints="1" noAdjustHandles="1" noChangeArrowheads="1" noChangeShapeType="1" noTextEdit="1"/>
+              </p:cNvSpPr>
+              <p:nvPr/>
+            </p:nvSpPr>
+            <p:spPr>
+              <a:xfrm>
+                <a:off x="460375" y="1556792"/>
+                <a:ext cx="2159117" cy="369332"/>
+              </a:xfrm>
+              <a:prstGeom prst="rect">
+                <a:avLst/>
+              </a:prstGeom>
+              <a:blipFill rotWithShape="1">
+                <a:blip r:embed="rId2"/>
+                <a:stretch>
+                  <a:fillRect b="-11475"/>
+                </a:stretch>
+              </a:blipFill>
+            </p:spPr>
+            <p:txBody>
+              <a:bodyPr/>
+              <a:lstStyle/>
+              <a:p>
+                <a:r>
+                  <a:rPr lang="ru-RU">
+                    <a:noFill/>
+                  </a:rPr>
+                  <a:t> </a:t>
+                </a:r>
+              </a:p>
+            </p:txBody>
+          </p:sp>
+        </mc:Fallback>
+      </mc:AlternateContent>
+    </p:spTree>
+    <p:extLst>
+      <p:ext uri="{BB962C8B-B14F-4D97-AF65-F5344CB8AC3E}">
+        <p14:creationId xmlns:p14="http://schemas.microsoft.com/office/powerpoint/2010/main" val="2296554356"/>
+      </p:ext>
+    </p:extLst>
+  </p:cSld>
+  <p:clrMapOvr>
+    <a:masterClrMapping/>
+  </p:clrMapOvr>
+</p:sld>
+</file>
+
+<file path=ppt/slides/slide3.xml><?xml version="1.0" encoding="utf-8"?>
+<p:sld xmlns:a="http://schemas.openxmlformats.org/drawingml/2006/main" xmlns:r="http://schemas.openxmlformats.org/officeDocument/2006/relationships" xmlns:p="http://schemas.openxmlformats.org/presentationml/2006/main">
+  <p:cSld>
+    <p:spTree>
+      <p:nvGrpSpPr>
+        <p:cNvPr id="1" name=""/>
+        <p:cNvGrpSpPr/>
+        <p:nvPr/>
+      </p:nvGrpSpPr>
+      <p:grpSpPr>
+        <a:xfrm>
+          <a:off x="0" y="0"/>
+          <a:ext cx="0" cy="0"/>
+          <a:chOff x="0" y="0"/>
+          <a:chExt cx="0" cy="0"/>
+        </a:xfrm>
+      </p:grpSpPr>
+      <p:sp>
+        <p:nvSpPr>
           <p:cNvPr id="4" name="Овал 3"/>
           <p:cNvSpPr/>
           <p:nvPr/>
         </p:nvSpPr>
         <p:spPr>
           <a:xfrm>
-            <a:off x="3904782" y="2132207"/>
+            <a:off x="3904782" y="3484386"/>
             <a:ext cx="1584176" cy="1584176"/>
           </a:xfrm>
           <a:prstGeom prst="ellipse">
@@ -3160,7 +4461,7 @@
         </p:nvCxnSpPr>
         <p:spPr>
           <a:xfrm flipV="1">
-            <a:off x="2843808" y="2924295"/>
+            <a:off x="2843808" y="4276474"/>
             <a:ext cx="1060974" cy="487"/>
           </a:xfrm>
           <a:prstGeom prst="straightConnector1">
@@ -3196,7 +4497,7 @@
         </p:nvCxnSpPr>
         <p:spPr>
           <a:xfrm rot="5400000" flipH="1" flipV="1">
-            <a:off x="4696870" y="1804113"/>
+            <a:off x="4696870" y="3156292"/>
             <a:ext cx="12700" cy="1120182"/>
           </a:xfrm>
           <a:prstGeom prst="curvedConnector3">
@@ -3231,7 +4532,7 @@
         </p:nvSpPr>
         <p:spPr>
           <a:xfrm>
-            <a:off x="6588224" y="2132694"/>
+            <a:off x="6588224" y="3484873"/>
             <a:ext cx="1584176" cy="1584176"/>
           </a:xfrm>
           <a:prstGeom prst="ellipse">
@@ -3288,7 +4589,7 @@
         </p:nvCxnSpPr>
         <p:spPr>
           <a:xfrm>
-            <a:off x="5488958" y="2924295"/>
+            <a:off x="5488958" y="4276474"/>
             <a:ext cx="1099266" cy="487"/>
           </a:xfrm>
           <a:prstGeom prst="straightConnector1">
@@ -3324,7 +4625,7 @@
         </p:nvCxnSpPr>
         <p:spPr>
           <a:xfrm rot="5400000" flipH="1" flipV="1">
-            <a:off x="7380312" y="1804600"/>
+            <a:off x="7380312" y="3156779"/>
             <a:ext cx="12700" cy="1120182"/>
           </a:xfrm>
           <a:prstGeom prst="curvedConnector3">
@@ -3359,7 +4660,7 @@
         </p:nvSpPr>
         <p:spPr>
           <a:xfrm>
-            <a:off x="1259632" y="2132694"/>
+            <a:off x="1259632" y="3484873"/>
             <a:ext cx="1584176" cy="1584176"/>
           </a:xfrm>
           <a:prstGeom prst="ellipse">
@@ -3415,7 +4716,7 @@
         </p:nvCxnSpPr>
         <p:spPr>
           <a:xfrm>
-            <a:off x="467544" y="2924782"/>
+            <a:off x="467544" y="4276961"/>
             <a:ext cx="792088" cy="0"/>
           </a:xfrm>
           <a:prstGeom prst="straightConnector1">
@@ -3451,7 +4752,7 @@
         </p:nvCxnSpPr>
         <p:spPr>
           <a:xfrm rot="5400000" flipH="1" flipV="1">
-            <a:off x="2051720" y="1804600"/>
+            <a:off x="2051720" y="3156779"/>
             <a:ext cx="12700" cy="1120182"/>
           </a:xfrm>
           <a:prstGeom prst="curvedConnector3">
@@ -3486,7 +4787,7 @@
         </p:nvSpPr>
         <p:spPr>
           <a:xfrm>
-            <a:off x="1607786" y="847866"/>
+            <a:off x="1607786" y="2200045"/>
             <a:ext cx="900568" cy="369332"/>
           </a:xfrm>
           <a:prstGeom prst="rect">
@@ -3516,7 +4817,7 @@
         </p:nvSpPr>
         <p:spPr>
           <a:xfrm>
-            <a:off x="3850807" y="524700"/>
+            <a:off x="3850807" y="1876879"/>
             <a:ext cx="1704826" cy="646331"/>
           </a:xfrm>
           <a:prstGeom prst="rect">
@@ -3567,7 +4868,7 @@
         </p:nvSpPr>
         <p:spPr>
           <a:xfrm>
-            <a:off x="6936378" y="847866"/>
+            <a:off x="6936378" y="2200045"/>
             <a:ext cx="900568" cy="369332"/>
           </a:xfrm>
           <a:prstGeom prst="rect">
@@ -3597,7 +4898,7 @@
         </p:nvSpPr>
         <p:spPr>
           <a:xfrm>
-            <a:off x="2924011" y="2312283"/>
+            <a:off x="2924011" y="3664462"/>
             <a:ext cx="900568" cy="646331"/>
           </a:xfrm>
           <a:prstGeom prst="rect">
@@ -3635,7 +4936,7 @@
         </p:nvSpPr>
         <p:spPr>
           <a:xfrm>
-            <a:off x="5588307" y="2555612"/>
+            <a:off x="5588307" y="3907791"/>
             <a:ext cx="900567" cy="369332"/>
           </a:xfrm>
           <a:prstGeom prst="rect">
@@ -3669,7 +4970,7 @@
         </p:nvCxnSpPr>
         <p:spPr>
           <a:xfrm rot="5400000" flipH="1">
-            <a:off x="6038347" y="2703000"/>
+            <a:off x="6038347" y="4055179"/>
             <a:ext cx="487" cy="1563260"/>
           </a:xfrm>
           <a:prstGeom prst="curvedConnector3">
@@ -3704,7 +5005,7 @@
         </p:nvSpPr>
         <p:spPr>
           <a:xfrm>
-            <a:off x="4736858" y="4005064"/>
+            <a:off x="4736858" y="5357243"/>
             <a:ext cx="2603470" cy="646331"/>
           </a:xfrm>
           <a:prstGeom prst="rect">

--- a/lec_state_machine/statemachine.pptx
+++ b/lec_state_machine/statemachine.pptx
@@ -7,7 +7,10 @@
   <p:sldIdLst>
     <p:sldId id="258" r:id="rId2"/>
     <p:sldId id="257" r:id="rId3"/>
-    <p:sldId id="256" r:id="rId4"/>
+    <p:sldId id="259" r:id="rId4"/>
+    <p:sldId id="261" r:id="rId5"/>
+    <p:sldId id="260" r:id="rId6"/>
+    <p:sldId id="256" r:id="rId7"/>
   </p:sldIdLst>
   <p:sldSz cx="9144000" cy="6858000" type="screen4x3"/>
   <p:notesSz cx="6858000" cy="9144000"/>
@@ -3126,8 +3129,8 @@
           </a:p>
         </p:txBody>
       </p:sp>
-      <mc:AlternateContent xmlns:mc="http://schemas.openxmlformats.org/markup-compatibility/2006">
-        <mc:Choice xmlns:a14="http://schemas.microsoft.com/office/drawing/2010/main" Requires="a14">
+      <mc:AlternateContent xmlns:mc="http://schemas.openxmlformats.org/markup-compatibility/2006" xmlns:a14="http://schemas.microsoft.com/office/drawing/2010/main">
+        <mc:Choice Requires="a14">
           <p:sp>
             <p:nvSpPr>
               <p:cNvPr id="4" name="Прямоугольник 3"/>
@@ -3213,7 +3216,7 @@
             </p:txBody>
           </p:sp>
         </mc:Choice>
-        <mc:Fallback>
+        <mc:Fallback xmlns="">
           <p:sp>
             <p:nvSpPr>
               <p:cNvPr id="4" name="Прямоугольник 3"/>
@@ -3323,8 +3326,8 @@
           </a:fontRef>
         </p:style>
       </p:cxnSp>
-      <mc:AlternateContent xmlns:mc="http://schemas.openxmlformats.org/markup-compatibility/2006">
-        <mc:Choice xmlns:a14="http://schemas.microsoft.com/office/drawing/2010/main" Requires="a14">
+      <mc:AlternateContent xmlns:mc="http://schemas.openxmlformats.org/markup-compatibility/2006" xmlns:a14="http://schemas.microsoft.com/office/drawing/2010/main">
+        <mc:Choice Requires="a14">
           <p:sp>
             <p:nvSpPr>
               <p:cNvPr id="9" name="Прямоугольник 8"/>
@@ -3381,7 +3384,7 @@
             </p:txBody>
           </p:sp>
         </mc:Choice>
-        <mc:Fallback>
+        <mc:Fallback xmlns="">
           <p:sp>
             <p:nvSpPr>
               <p:cNvPr id="9" name="Прямоугольник 8"/>
@@ -3420,8 +3423,8 @@
           </p:sp>
         </mc:Fallback>
       </mc:AlternateContent>
-      <mc:AlternateContent xmlns:mc="http://schemas.openxmlformats.org/markup-compatibility/2006">
-        <mc:Choice xmlns:a14="http://schemas.microsoft.com/office/drawing/2010/main" Requires="a14">
+      <mc:AlternateContent xmlns:mc="http://schemas.openxmlformats.org/markup-compatibility/2006" xmlns:a14="http://schemas.microsoft.com/office/drawing/2010/main">
+        <mc:Choice Requires="a14">
           <p:sp>
             <p:nvSpPr>
               <p:cNvPr id="10" name="Прямоугольник 9"/>
@@ -3478,7 +3481,7 @@
             </p:txBody>
           </p:sp>
         </mc:Choice>
-        <mc:Fallback>
+        <mc:Fallback xmlns="">
           <p:sp>
             <p:nvSpPr>
               <p:cNvPr id="10" name="Прямоугольник 9"/>
@@ -3606,7 +3609,7 @@
             <p:spPr>
               <a:xfrm>
                 <a:off x="827584" y="4164609"/>
-                <a:ext cx="7632848" cy="1631216"/>
+                <a:ext cx="7632848" cy="1938992"/>
               </a:xfrm>
               <a:prstGeom prst="rect">
                 <a:avLst/>
@@ -3626,6 +3629,175 @@
                     <a:spcPct val="0"/>
                   </a:spcAft>
                 </a:pPr>
+                <a14:m>
+                  <m:oMath xmlns:m="http://schemas.openxmlformats.org/officeDocument/2006/math">
+                    <m:r>
+                      <a:rPr lang="en-US" altLang="ru-RU" sz="2000" b="1" i="1" smtClean="0">
+                        <a:solidFill>
+                          <a:srgbClr val="222222"/>
+                        </a:solidFill>
+                        <a:latin typeface="Cambria Math"/>
+                        <a:cs typeface="Arial" charset="0"/>
+                      </a:rPr>
+                      <m:t>𝑨</m:t>
+                    </m:r>
+                    <m:r>
+                      <a:rPr lang="en-US" altLang="ru-RU" sz="2000" b="1" i="1" smtClean="0">
+                        <a:solidFill>
+                          <a:srgbClr val="222222"/>
+                        </a:solidFill>
+                        <a:latin typeface="Cambria Math"/>
+                        <a:cs typeface="Arial" charset="0"/>
+                      </a:rPr>
+                      <m:t>=</m:t>
+                    </m:r>
+                    <m:d>
+                      <m:dPr>
+                        <m:ctrlPr>
+                          <a:rPr lang="en-US" altLang="ru-RU" sz="2000" b="1" i="1" smtClean="0">
+                            <a:solidFill>
+                              <a:srgbClr val="222222"/>
+                            </a:solidFill>
+                            <a:latin typeface="Cambria Math"/>
+                            <a:cs typeface="Arial" charset="0"/>
+                          </a:rPr>
+                        </m:ctrlPr>
+                      </m:dPr>
+                      <m:e>
+                        <m:r>
+                          <a:rPr lang="en-US" altLang="ru-RU" sz="2000" b="1" i="1" smtClean="0">
+                            <a:solidFill>
+                              <a:srgbClr val="222222"/>
+                            </a:solidFill>
+                            <a:latin typeface="Cambria Math"/>
+                            <a:cs typeface="Arial" charset="0"/>
+                          </a:rPr>
+                          <m:t>𝑺</m:t>
+                        </m:r>
+                        <m:r>
+                          <a:rPr lang="en-US" altLang="ru-RU" sz="2000" b="1" i="1" smtClean="0">
+                            <a:solidFill>
+                              <a:srgbClr val="222222"/>
+                            </a:solidFill>
+                            <a:latin typeface="Cambria Math"/>
+                            <a:cs typeface="Arial" charset="0"/>
+                          </a:rPr>
+                          <m:t>,</m:t>
+                        </m:r>
+                        <m:r>
+                          <a:rPr lang="en-US" altLang="ru-RU" sz="2000" b="1" i="1" smtClean="0">
+                            <a:solidFill>
+                              <a:srgbClr val="222222"/>
+                            </a:solidFill>
+                            <a:latin typeface="Cambria Math"/>
+                            <a:cs typeface="Arial" charset="0"/>
+                          </a:rPr>
+                          <m:t>𝑿</m:t>
+                        </m:r>
+                        <m:r>
+                          <a:rPr lang="en-US" altLang="ru-RU" sz="2000" b="1" i="1" smtClean="0">
+                            <a:solidFill>
+                              <a:srgbClr val="222222"/>
+                            </a:solidFill>
+                            <a:latin typeface="Cambria Math"/>
+                            <a:cs typeface="Arial" charset="0"/>
+                          </a:rPr>
+                          <m:t>,</m:t>
+                        </m:r>
+                        <m:r>
+                          <a:rPr lang="en-US" altLang="ru-RU" sz="2000" b="1" i="1" smtClean="0">
+                            <a:solidFill>
+                              <a:srgbClr val="222222"/>
+                            </a:solidFill>
+                            <a:latin typeface="Cambria Math"/>
+                            <a:cs typeface="Arial" charset="0"/>
+                          </a:rPr>
+                          <m:t>𝒀</m:t>
+                        </m:r>
+                        <m:r>
+                          <a:rPr lang="en-US" altLang="ru-RU" sz="2000" b="1" i="1" smtClean="0">
+                            <a:solidFill>
+                              <a:srgbClr val="222222"/>
+                            </a:solidFill>
+                            <a:latin typeface="Cambria Math"/>
+                            <a:cs typeface="Arial" charset="0"/>
+                          </a:rPr>
+                          <m:t>,</m:t>
+                        </m:r>
+                        <m:r>
+                          <a:rPr lang="en-US" altLang="ru-RU" sz="2000" b="1" i="1" smtClean="0">
+                            <a:solidFill>
+                              <a:srgbClr val="222222"/>
+                            </a:solidFill>
+                            <a:latin typeface="Cambria Math"/>
+                            <a:ea typeface="Cambria Math"/>
+                            <a:cs typeface="Arial" charset="0"/>
+                          </a:rPr>
+                          <m:t>𝜹</m:t>
+                        </m:r>
+                        <m:r>
+                          <a:rPr lang="en-US" altLang="ru-RU" sz="2000" b="1" i="1" smtClean="0">
+                            <a:solidFill>
+                              <a:srgbClr val="222222"/>
+                            </a:solidFill>
+                            <a:latin typeface="Cambria Math"/>
+                            <a:ea typeface="Cambria Math"/>
+                            <a:cs typeface="Arial" charset="0"/>
+                          </a:rPr>
+                          <m:t>,</m:t>
+                        </m:r>
+                        <m:r>
+                          <a:rPr lang="en-US" altLang="ru-RU" sz="2000" b="1" i="1" smtClean="0">
+                            <a:solidFill>
+                              <a:srgbClr val="222222"/>
+                            </a:solidFill>
+                            <a:latin typeface="Cambria Math"/>
+                            <a:ea typeface="Cambria Math"/>
+                            <a:cs typeface="Arial" charset="0"/>
+                          </a:rPr>
+                          <m:t>𝜽</m:t>
+                        </m:r>
+                      </m:e>
+                    </m:d>
+                  </m:oMath>
+                </a14:m>
+                <a:r>
+                  <a:rPr lang="en-US" altLang="ru-RU" sz="2000" dirty="0" smtClean="0">
+                    <a:solidFill>
+                      <a:srgbClr val="222222"/>
+                    </a:solidFill>
+                    <a:latin typeface="Arial" charset="0"/>
+                    <a:cs typeface="Arial" charset="0"/>
+                  </a:rPr>
+                  <a:t>, </a:t>
+                </a:r>
+                <a:r>
+                  <a:rPr lang="uk-UA" altLang="ru-RU" sz="2000" dirty="0" smtClean="0">
+                    <a:solidFill>
+                      <a:srgbClr val="222222"/>
+                    </a:solidFill>
+                    <a:latin typeface="Arial" charset="0"/>
+                    <a:cs typeface="Arial" charset="0"/>
+                  </a:rPr>
+                  <a:t>где</a:t>
+                </a:r>
+                <a:endParaRPr lang="ru-RU" altLang="ru-RU" sz="2000" dirty="0">
+                  <a:solidFill>
+                    <a:srgbClr val="222222"/>
+                  </a:solidFill>
+                  <a:latin typeface="Arial" charset="0"/>
+                  <a:cs typeface="Arial" charset="0"/>
+                </a:endParaRPr>
+              </a:p>
+              <a:p>
+                <a:pPr lvl="0" fontAlgn="base">
+                  <a:spcBef>
+                    <a:spcPct val="0"/>
+                  </a:spcBef>
+                  <a:spcAft>
+                    <a:spcPct val="0"/>
+                  </a:spcAft>
+                </a:pPr>
                 <a:r>
                   <a:rPr lang="ru-RU" altLang="ru-RU" sz="2000" dirty="0" smtClean="0">
                     <a:solidFill>
@@ -3634,7 +3806,17 @@
                     <a:latin typeface="Arial" charset="0"/>
                     <a:cs typeface="Arial" charset="0"/>
                   </a:rPr>
-                  <a:t>S —</a:t>
+                  <a:t>S </a:t>
+                </a:r>
+                <a:r>
+                  <a:rPr lang="ru-RU" altLang="ru-RU" sz="2000" dirty="0" smtClean="0">
+                    <a:solidFill>
+                      <a:srgbClr val="222222"/>
+                    </a:solidFill>
+                    <a:latin typeface="Arial" charset="0"/>
+                    <a:cs typeface="Arial" charset="0"/>
+                  </a:rPr>
+                  <a:t>—</a:t>
                 </a:r>
                 <a:r>
                   <a:rPr lang="en-US" altLang="ru-RU" sz="2000" dirty="0" smtClean="0">
@@ -4072,7 +4254,7 @@
             <p:spPr>
               <a:xfrm>
                 <a:off x="827584" y="4164609"/>
-                <a:ext cx="7632848" cy="1631216"/>
+                <a:ext cx="7632848" cy="1938992"/>
               </a:xfrm>
               <a:prstGeom prst="rect">
                 <a:avLst/>
@@ -4080,7 +4262,7 @@
               <a:blipFill rotWithShape="1">
                 <a:blip r:embed="rId5"/>
                 <a:stretch>
-                  <a:fillRect l="-879" t="-1493" r="-719" b="-5970"/>
+                  <a:fillRect l="-879" t="-1258" r="-719" b="-5031"/>
                 </a:stretch>
               </a:blipFill>
             </p:spPr>
@@ -4147,12 +4329,16 @@
           <a:lstStyle/>
           <a:p>
             <a:r>
-              <a:rPr lang="uk-UA" dirty="0" err="1" smtClean="0"/>
+              <a:rPr lang="ru-RU" dirty="0" smtClean="0"/>
               <a:t>Определение</a:t>
             </a:r>
             <a:r>
               <a:rPr lang="uk-UA" dirty="0" smtClean="0"/>
-              <a:t> конечного автомата</a:t>
+              <a:t> </a:t>
+            </a:r>
+            <a:r>
+              <a:rPr lang="uk-UA" dirty="0" smtClean="0"/>
+              <a:t>конечного автомата</a:t>
             </a:r>
             <a:endParaRPr lang="ru-RU" dirty="0"/>
           </a:p>
@@ -4201,14 +4387,14 @@
         <mc:Choice xmlns:a14="http://schemas.microsoft.com/office/drawing/2010/main" Requires="a14">
           <p:sp>
             <p:nvSpPr>
-              <p:cNvPr id="7" name="TextBox 6"/>
+              <p:cNvPr id="5" name="TextBox 4"/>
               <p:cNvSpPr txBox="1"/>
               <p:nvPr/>
             </p:nvSpPr>
             <p:spPr>
               <a:xfrm>
-                <a:off x="460375" y="1556792"/>
-                <a:ext cx="2159117" cy="369332"/>
+                <a:off x="460375" y="2420888"/>
+                <a:ext cx="8144073" cy="3170099"/>
               </a:xfrm>
               <a:prstGeom prst="rect">
                 <a:avLst/>
@@ -4216,113 +4402,577 @@
               <a:noFill/>
             </p:spPr>
             <p:txBody>
-              <a:bodyPr wrap="none" rtlCol="0">
+              <a:bodyPr wrap="square" rtlCol="0">
                 <a:spAutoFit/>
               </a:bodyPr>
               <a:lstStyle/>
               <a:p>
+                <a:pPr lvl="0"/>
                 <a14:m>
-                  <m:oMathPara xmlns:m="http://schemas.openxmlformats.org/officeDocument/2006/math">
-                    <m:oMathParaPr>
-                      <m:jc m:val="centerGroup"/>
-                    </m:oMathParaPr>
-                    <m:oMath xmlns:m="http://schemas.openxmlformats.org/officeDocument/2006/math">
-                      <m:r>
-                        <a:rPr lang="en-US" b="0" i="1" smtClean="0">
-                          <a:latin typeface="Cambria Math"/>
-                        </a:rPr>
-                        <m:t>𝑀</m:t>
-                      </m:r>
-                      <m:r>
-                        <a:rPr lang="en-US" b="0" i="1" smtClean="0">
-                          <a:latin typeface="Cambria Math"/>
-                        </a:rPr>
-                        <m:t>=(</m:t>
-                      </m:r>
-                      <m:r>
-                        <a:rPr lang="en-US" b="0" i="1" smtClean="0">
-                          <a:latin typeface="Cambria Math"/>
-                        </a:rPr>
-                        <m:t>𝑉</m:t>
-                      </m:r>
-                      <m:r>
-                        <a:rPr lang="en-US" b="0" i="1" smtClean="0">
-                          <a:latin typeface="Cambria Math"/>
-                        </a:rPr>
-                        <m:t>,</m:t>
-                      </m:r>
-                      <m:r>
-                        <a:rPr lang="en-US" b="0" i="1" smtClean="0">
-                          <a:latin typeface="Cambria Math"/>
-                        </a:rPr>
-                        <m:t>𝑄</m:t>
-                      </m:r>
-                      <m:r>
-                        <a:rPr lang="en-US" b="0" i="1" smtClean="0">
-                          <a:latin typeface="Cambria Math"/>
-                        </a:rPr>
-                        <m:t>,</m:t>
-                      </m:r>
-                      <m:sSub>
-                        <m:sSubPr>
-                          <m:ctrlPr>
-                            <a:rPr lang="en-US" b="0" i="1" smtClean="0">
-                              <a:latin typeface="Cambria Math"/>
-                            </a:rPr>
-                          </m:ctrlPr>
-                        </m:sSubPr>
-                        <m:e>
-                          <m:r>
-                            <a:rPr lang="en-US" b="0" i="1" smtClean="0">
-                              <a:latin typeface="Cambria Math"/>
-                            </a:rPr>
-                            <m:t>𝑞</m:t>
-                          </m:r>
-                        </m:e>
-                        <m:sub>
-                          <m:r>
-                            <a:rPr lang="en-US" b="0" i="1" smtClean="0">
-                              <a:latin typeface="Cambria Math"/>
-                            </a:rPr>
-                            <m:t>0</m:t>
-                          </m:r>
-                        </m:sub>
-                      </m:sSub>
-                      <m:r>
-                        <a:rPr lang="en-US" b="0" i="1" smtClean="0">
-                          <a:latin typeface="Cambria Math"/>
-                        </a:rPr>
-                        <m:t>,</m:t>
-                      </m:r>
-                      <m:r>
-                        <a:rPr lang="en-US" b="0" i="1" smtClean="0">
-                          <a:latin typeface="Cambria Math"/>
-                        </a:rPr>
-                        <m:t>𝐹</m:t>
-                      </m:r>
-                      <m:r>
-                        <a:rPr lang="en-US" b="0" i="1" smtClean="0">
-                          <a:latin typeface="Cambria Math"/>
-                        </a:rPr>
-                        <m:t>,</m:t>
-                      </m:r>
-                      <m:r>
-                        <a:rPr lang="en-US" b="0" i="1" smtClean="0">
-                          <a:latin typeface="Cambria Math"/>
-                          <a:ea typeface="Cambria Math"/>
-                        </a:rPr>
-                        <m:t>𝛿</m:t>
-                      </m:r>
-                      <m:r>
-                        <a:rPr lang="en-US" b="0" i="1" smtClean="0">
-                          <a:latin typeface="Cambria Math"/>
-                        </a:rPr>
-                        <m:t>)</m:t>
-                      </m:r>
-                    </m:oMath>
-                  </m:oMathPara>
+                  <m:oMath xmlns:m="http://schemas.openxmlformats.org/officeDocument/2006/math">
+                    <m:r>
+                      <a:rPr lang="en-US" altLang="ru-RU" sz="2000" b="1" i="1" smtClean="0">
+                        <a:solidFill>
+                          <a:srgbClr val="222222"/>
+                        </a:solidFill>
+                        <a:latin typeface="Cambria Math"/>
+                        <a:cs typeface="Arial" charset="0"/>
+                      </a:rPr>
+                      <m:t>𝑨</m:t>
+                    </m:r>
+                    <m:r>
+                      <a:rPr lang="en-US" altLang="ru-RU" sz="2000" b="1" i="1" smtClean="0">
+                        <a:solidFill>
+                          <a:srgbClr val="222222"/>
+                        </a:solidFill>
+                        <a:latin typeface="Cambria Math"/>
+                        <a:cs typeface="Arial" charset="0"/>
+                      </a:rPr>
+                      <m:t>=</m:t>
+                    </m:r>
+                    <m:d>
+                      <m:dPr>
+                        <m:ctrlPr>
+                          <a:rPr lang="en-US" altLang="ru-RU" sz="2000" b="1" i="1">
+                            <a:solidFill>
+                              <a:srgbClr val="222222"/>
+                            </a:solidFill>
+                            <a:latin typeface="Cambria Math"/>
+                            <a:cs typeface="Arial" charset="0"/>
+                          </a:rPr>
+                        </m:ctrlPr>
+                      </m:dPr>
+                      <m:e>
+                        <m:r>
+                          <a:rPr lang="en-US" altLang="ru-RU" sz="2000" b="1" i="1">
+                            <a:solidFill>
+                              <a:srgbClr val="222222"/>
+                            </a:solidFill>
+                            <a:latin typeface="Cambria Math"/>
+                            <a:cs typeface="Arial" charset="0"/>
+                          </a:rPr>
+                          <m:t>𝑺</m:t>
+                        </m:r>
+                        <m:r>
+                          <a:rPr lang="en-US" altLang="ru-RU" sz="2000" b="1" i="1">
+                            <a:solidFill>
+                              <a:srgbClr val="222222"/>
+                            </a:solidFill>
+                            <a:latin typeface="Cambria Math"/>
+                            <a:cs typeface="Arial" charset="0"/>
+                          </a:rPr>
+                          <m:t>,</m:t>
+                        </m:r>
+                        <m:r>
+                          <a:rPr lang="en-US" altLang="ru-RU" sz="2000" b="1" i="1">
+                            <a:solidFill>
+                              <a:srgbClr val="222222"/>
+                            </a:solidFill>
+                            <a:latin typeface="Cambria Math"/>
+                            <a:cs typeface="Arial" charset="0"/>
+                          </a:rPr>
+                          <m:t>𝑿</m:t>
+                        </m:r>
+                        <m:r>
+                          <a:rPr lang="en-US" altLang="ru-RU" sz="2000" b="1" i="1">
+                            <a:solidFill>
+                              <a:srgbClr val="222222"/>
+                            </a:solidFill>
+                            <a:latin typeface="Cambria Math"/>
+                            <a:cs typeface="Arial" charset="0"/>
+                          </a:rPr>
+                          <m:t>,</m:t>
+                        </m:r>
+                        <m:sSub>
+                          <m:sSubPr>
+                            <m:ctrlPr>
+                              <a:rPr lang="en-US" altLang="ru-RU" sz="2000" b="1" i="1" smtClean="0">
+                                <a:solidFill>
+                                  <a:srgbClr val="222222"/>
+                                </a:solidFill>
+                                <a:latin typeface="Cambria Math"/>
+                                <a:cs typeface="Arial" charset="0"/>
+                              </a:rPr>
+                            </m:ctrlPr>
+                          </m:sSubPr>
+                          <m:e>
+                            <m:r>
+                              <a:rPr lang="en-US" altLang="ru-RU" sz="2000" b="1" i="1" smtClean="0">
+                                <a:solidFill>
+                                  <a:srgbClr val="222222"/>
+                                </a:solidFill>
+                                <a:latin typeface="Cambria Math"/>
+                                <a:cs typeface="Arial" charset="0"/>
+                              </a:rPr>
+                              <m:t>𝒙</m:t>
+                            </m:r>
+                          </m:e>
+                          <m:sub>
+                            <m:r>
+                              <a:rPr lang="en-US" altLang="ru-RU" sz="2000" b="1" i="1" smtClean="0">
+                                <a:solidFill>
+                                  <a:srgbClr val="222222"/>
+                                </a:solidFill>
+                                <a:latin typeface="Cambria Math"/>
+                                <a:cs typeface="Arial" charset="0"/>
+                              </a:rPr>
+                              <m:t>𝟎</m:t>
+                            </m:r>
+                          </m:sub>
+                        </m:sSub>
+                        <m:r>
+                          <a:rPr lang="en-US" altLang="ru-RU" sz="2000" b="1" i="1">
+                            <a:solidFill>
+                              <a:srgbClr val="222222"/>
+                            </a:solidFill>
+                            <a:latin typeface="Cambria Math"/>
+                            <a:cs typeface="Arial" charset="0"/>
+                          </a:rPr>
+                          <m:t>,</m:t>
+                        </m:r>
+                        <m:r>
+                          <a:rPr lang="en-US" altLang="ru-RU" sz="2000" b="1" i="1" smtClean="0">
+                            <a:solidFill>
+                              <a:srgbClr val="222222"/>
+                            </a:solidFill>
+                            <a:latin typeface="Cambria Math"/>
+                            <a:cs typeface="Arial" charset="0"/>
+                          </a:rPr>
+                          <m:t>𝑭</m:t>
+                        </m:r>
+                        <m:r>
+                          <a:rPr lang="en-US" altLang="ru-RU" sz="2000" b="1" i="1">
+                            <a:solidFill>
+                              <a:srgbClr val="222222"/>
+                            </a:solidFill>
+                            <a:latin typeface="Cambria Math"/>
+                            <a:ea typeface="Cambria Math"/>
+                            <a:cs typeface="Arial" charset="0"/>
+                          </a:rPr>
+                          <m:t>,</m:t>
+                        </m:r>
+                        <m:r>
+                          <a:rPr lang="en-US" altLang="ru-RU" sz="2000" b="1" i="1" smtClean="0">
+                            <a:solidFill>
+                              <a:srgbClr val="222222"/>
+                            </a:solidFill>
+                            <a:latin typeface="Cambria Math"/>
+                            <a:ea typeface="Cambria Math"/>
+                            <a:cs typeface="Arial" charset="0"/>
+                          </a:rPr>
+                          <m:t>𝜹</m:t>
+                        </m:r>
+                      </m:e>
+                    </m:d>
+                  </m:oMath>
                 </a14:m>
-                <a:endParaRPr lang="ru-RU" dirty="0"/>
+                <a:r>
+                  <a:rPr lang="en-US" altLang="ru-RU" sz="2000" dirty="0">
+                    <a:solidFill>
+                      <a:srgbClr val="222222"/>
+                    </a:solidFill>
+                    <a:latin typeface="Arial" charset="0"/>
+                    <a:cs typeface="Arial" charset="0"/>
+                  </a:rPr>
+                  <a:t>, </a:t>
+                </a:r>
+                <a:r>
+                  <a:rPr lang="uk-UA" altLang="ru-RU" sz="2000" dirty="0" smtClean="0">
+                    <a:solidFill>
+                      <a:srgbClr val="222222"/>
+                    </a:solidFill>
+                    <a:latin typeface="Arial" charset="0"/>
+                    <a:cs typeface="Arial" charset="0"/>
+                  </a:rPr>
+                  <a:t>где</a:t>
+                </a:r>
+                <a:endParaRPr lang="en-US" altLang="ru-RU" sz="2000" dirty="0" smtClean="0">
+                  <a:solidFill>
+                    <a:srgbClr val="222222"/>
+                  </a:solidFill>
+                  <a:latin typeface="Arial" charset="0"/>
+                  <a:cs typeface="Arial" charset="0"/>
+                </a:endParaRPr>
+              </a:p>
+              <a:p>
+                <a:pPr lvl="0"/>
+                <a14:m>
+                  <m:oMath xmlns:m="http://schemas.openxmlformats.org/officeDocument/2006/math">
+                    <m:sSub>
+                      <m:sSubPr>
+                        <m:ctrlPr>
+                          <a:rPr lang="en-US" altLang="ru-RU" sz="2000" b="1" i="1">
+                            <a:solidFill>
+                              <a:srgbClr val="222222"/>
+                            </a:solidFill>
+                            <a:latin typeface="Cambria Math"/>
+                            <a:cs typeface="Arial" charset="0"/>
+                          </a:rPr>
+                        </m:ctrlPr>
+                      </m:sSubPr>
+                      <m:e>
+                        <m:r>
+                          <a:rPr lang="en-US" altLang="ru-RU" sz="2000" b="1" i="1">
+                            <a:solidFill>
+                              <a:srgbClr val="222222"/>
+                            </a:solidFill>
+                            <a:latin typeface="Cambria Math"/>
+                            <a:cs typeface="Arial" charset="0"/>
+                          </a:rPr>
+                          <m:t>𝒙</m:t>
+                        </m:r>
+                      </m:e>
+                      <m:sub>
+                        <m:r>
+                          <a:rPr lang="en-US" altLang="ru-RU" sz="2000" b="1" i="1">
+                            <a:solidFill>
+                              <a:srgbClr val="222222"/>
+                            </a:solidFill>
+                            <a:latin typeface="Cambria Math"/>
+                            <a:cs typeface="Arial" charset="0"/>
+                          </a:rPr>
+                          <m:t>𝟎</m:t>
+                        </m:r>
+                      </m:sub>
+                    </m:sSub>
+                  </m:oMath>
+                </a14:m>
+                <a:r>
+                  <a:rPr lang="en-US" altLang="ru-RU" sz="2000" dirty="0" smtClean="0">
+                    <a:solidFill>
+                      <a:srgbClr val="222222"/>
+                    </a:solidFill>
+                    <a:latin typeface="Arial" charset="0"/>
+                    <a:cs typeface="Arial" charset="0"/>
+                  </a:rPr>
+                  <a:t> - </a:t>
+                </a:r>
+                <a:r>
+                  <a:rPr lang="ru-RU" altLang="ru-RU" sz="2000" dirty="0" smtClean="0">
+                    <a:solidFill>
+                      <a:srgbClr val="222222"/>
+                    </a:solidFill>
+                    <a:latin typeface="Arial" charset="0"/>
+                    <a:cs typeface="Arial" charset="0"/>
+                  </a:rPr>
+                  <a:t>начальное состояние</a:t>
+                </a:r>
+              </a:p>
+              <a:p>
+                <a:pPr lvl="0"/>
+                <a14:m>
+                  <m:oMath xmlns:m="http://schemas.openxmlformats.org/officeDocument/2006/math">
+                    <m:r>
+                      <a:rPr lang="en-US" altLang="ru-RU" sz="2000" b="1" i="1">
+                        <a:solidFill>
+                          <a:srgbClr val="222222"/>
+                        </a:solidFill>
+                        <a:latin typeface="Cambria Math"/>
+                        <a:cs typeface="Arial" charset="0"/>
+                      </a:rPr>
+                      <m:t>𝑭</m:t>
+                    </m:r>
+                  </m:oMath>
+                </a14:m>
+                <a:r>
+                  <a:rPr lang="en-US" altLang="ru-RU" sz="2000" dirty="0" smtClean="0">
+                    <a:solidFill>
+                      <a:srgbClr val="222222"/>
+                    </a:solidFill>
+                    <a:latin typeface="Arial" charset="0"/>
+                    <a:cs typeface="Arial" charset="0"/>
+                  </a:rPr>
+                  <a:t> – </a:t>
+                </a:r>
+                <a:r>
+                  <a:rPr lang="ru-RU" altLang="ru-RU" sz="2000" dirty="0" smtClean="0">
+                    <a:solidFill>
+                      <a:srgbClr val="222222"/>
+                    </a:solidFill>
+                    <a:latin typeface="Arial" charset="0"/>
+                    <a:cs typeface="Arial" charset="0"/>
+                  </a:rPr>
+                  <a:t>множество конечных состояний</a:t>
+                </a:r>
+              </a:p>
+              <a:p>
+                <a:pPr lvl="0"/>
+                <a14:m>
+                  <m:oMath xmlns:m="http://schemas.openxmlformats.org/officeDocument/2006/math">
+                    <m:r>
+                      <a:rPr lang="en-US" altLang="ru-RU" sz="2000" b="1" i="1">
+                        <a:solidFill>
+                          <a:srgbClr val="222222"/>
+                        </a:solidFill>
+                        <a:latin typeface="Cambria Math"/>
+                        <a:ea typeface="Cambria Math"/>
+                        <a:cs typeface="Arial" charset="0"/>
+                      </a:rPr>
+                      <m:t>𝜹</m:t>
+                    </m:r>
+                  </m:oMath>
+                </a14:m>
+                <a:r>
+                  <a:rPr lang="ru-RU" altLang="ru-RU" sz="2000" dirty="0" smtClean="0">
+                    <a:solidFill>
+                      <a:srgbClr val="222222"/>
+                    </a:solidFill>
+                    <a:latin typeface="Arial" charset="0"/>
+                    <a:cs typeface="Arial" charset="0"/>
+                  </a:rPr>
+                  <a:t> – Функция переходов</a:t>
+                </a:r>
+              </a:p>
+              <a:p>
+                <a:pPr lvl="0"/>
+                <a:endParaRPr lang="ru-RU" altLang="ru-RU" sz="2000" dirty="0">
+                  <a:solidFill>
+                    <a:srgbClr val="222222"/>
+                  </a:solidFill>
+                  <a:latin typeface="Arial" charset="0"/>
+                  <a:cs typeface="Arial" charset="0"/>
+                </a:endParaRPr>
+              </a:p>
+              <a:p>
+                <a:pPr lvl="0"/>
+                <a:r>
+                  <a:rPr lang="ru-RU" altLang="ru-RU" sz="2000" dirty="0" smtClean="0">
+                    <a:solidFill>
+                      <a:srgbClr val="222222"/>
+                    </a:solidFill>
+                    <a:latin typeface="Arial" charset="0"/>
+                    <a:cs typeface="Arial" charset="0"/>
+                  </a:rPr>
+                  <a:t>В КА с выходом добавляются множество выходных символов и функция выходов:</a:t>
+                </a:r>
+              </a:p>
+              <a:p>
+                <a:pPr lvl="0"/>
+                <a:endParaRPr lang="ru-RU" altLang="ru-RU" sz="2000" dirty="0">
+                  <a:solidFill>
+                    <a:srgbClr val="222222"/>
+                  </a:solidFill>
+                  <a:latin typeface="Arial" charset="0"/>
+                  <a:cs typeface="Arial" charset="0"/>
+                </a:endParaRPr>
+              </a:p>
+              <a:p>
+                <a:pPr lvl="0"/>
+                <a14:m>
+                  <m:oMath xmlns:m="http://schemas.openxmlformats.org/officeDocument/2006/math">
+                    <m:r>
+                      <a:rPr lang="en-US" altLang="ru-RU" sz="2000" b="1" i="1">
+                        <a:solidFill>
+                          <a:srgbClr val="222222"/>
+                        </a:solidFill>
+                        <a:latin typeface="Cambria Math"/>
+                        <a:cs typeface="Arial" charset="0"/>
+                      </a:rPr>
+                      <m:t>𝑨</m:t>
+                    </m:r>
+                    <m:r>
+                      <a:rPr lang="en-US" altLang="ru-RU" sz="2000" b="1" i="1">
+                        <a:solidFill>
+                          <a:srgbClr val="222222"/>
+                        </a:solidFill>
+                        <a:latin typeface="Cambria Math"/>
+                        <a:cs typeface="Arial" charset="0"/>
+                      </a:rPr>
+                      <m:t>=</m:t>
+                    </m:r>
+                    <m:d>
+                      <m:dPr>
+                        <m:ctrlPr>
+                          <a:rPr lang="en-US" altLang="ru-RU" sz="2000" b="1" i="1">
+                            <a:solidFill>
+                              <a:srgbClr val="222222"/>
+                            </a:solidFill>
+                            <a:latin typeface="Cambria Math"/>
+                            <a:cs typeface="Arial" charset="0"/>
+                          </a:rPr>
+                        </m:ctrlPr>
+                      </m:dPr>
+                      <m:e>
+                        <m:r>
+                          <a:rPr lang="en-US" altLang="ru-RU" sz="2000" b="1" i="1">
+                            <a:solidFill>
+                              <a:srgbClr val="222222"/>
+                            </a:solidFill>
+                            <a:latin typeface="Cambria Math"/>
+                            <a:cs typeface="Arial" charset="0"/>
+                          </a:rPr>
+                          <m:t>𝑺</m:t>
+                        </m:r>
+                        <m:r>
+                          <a:rPr lang="en-US" altLang="ru-RU" sz="2000" b="1" i="1">
+                            <a:solidFill>
+                              <a:srgbClr val="222222"/>
+                            </a:solidFill>
+                            <a:latin typeface="Cambria Math"/>
+                            <a:cs typeface="Arial" charset="0"/>
+                          </a:rPr>
+                          <m:t>,</m:t>
+                        </m:r>
+                        <m:r>
+                          <a:rPr lang="en-US" altLang="ru-RU" sz="2000" b="1" i="1">
+                            <a:solidFill>
+                              <a:srgbClr val="222222"/>
+                            </a:solidFill>
+                            <a:latin typeface="Cambria Math"/>
+                            <a:cs typeface="Arial" charset="0"/>
+                          </a:rPr>
+                          <m:t>𝑿</m:t>
+                        </m:r>
+                        <m:r>
+                          <a:rPr lang="en-US" altLang="ru-RU" sz="2000" b="1" i="1">
+                            <a:solidFill>
+                              <a:srgbClr val="222222"/>
+                            </a:solidFill>
+                            <a:latin typeface="Cambria Math"/>
+                            <a:cs typeface="Arial" charset="0"/>
+                          </a:rPr>
+                          <m:t>,</m:t>
+                        </m:r>
+                        <m:sSub>
+                          <m:sSubPr>
+                            <m:ctrlPr>
+                              <a:rPr lang="en-US" altLang="ru-RU" sz="2000" b="1" i="1">
+                                <a:solidFill>
+                                  <a:srgbClr val="222222"/>
+                                </a:solidFill>
+                                <a:latin typeface="Cambria Math"/>
+                                <a:cs typeface="Arial" charset="0"/>
+                              </a:rPr>
+                            </m:ctrlPr>
+                          </m:sSubPr>
+                          <m:e>
+                            <m:r>
+                              <a:rPr lang="en-US" altLang="ru-RU" sz="2000" b="1" i="1">
+                                <a:solidFill>
+                                  <a:srgbClr val="222222"/>
+                                </a:solidFill>
+                                <a:latin typeface="Cambria Math"/>
+                                <a:cs typeface="Arial" charset="0"/>
+                              </a:rPr>
+                              <m:t>𝒙</m:t>
+                            </m:r>
+                          </m:e>
+                          <m:sub>
+                            <m:r>
+                              <a:rPr lang="en-US" altLang="ru-RU" sz="2000" b="1" i="1">
+                                <a:solidFill>
+                                  <a:srgbClr val="222222"/>
+                                </a:solidFill>
+                                <a:latin typeface="Cambria Math"/>
+                                <a:cs typeface="Arial" charset="0"/>
+                              </a:rPr>
+                              <m:t>𝟎</m:t>
+                            </m:r>
+                          </m:sub>
+                        </m:sSub>
+                        <m:r>
+                          <a:rPr lang="en-US" altLang="ru-RU" sz="2000" b="1" i="1">
+                            <a:solidFill>
+                              <a:srgbClr val="222222"/>
+                            </a:solidFill>
+                            <a:latin typeface="Cambria Math"/>
+                            <a:cs typeface="Arial" charset="0"/>
+                          </a:rPr>
+                          <m:t>,</m:t>
+                        </m:r>
+                        <m:r>
+                          <a:rPr lang="en-US" altLang="ru-RU" sz="2000" b="1" i="1">
+                            <a:solidFill>
+                              <a:srgbClr val="222222"/>
+                            </a:solidFill>
+                            <a:latin typeface="Cambria Math"/>
+                            <a:cs typeface="Arial" charset="0"/>
+                          </a:rPr>
+                          <m:t>𝑭</m:t>
+                        </m:r>
+                        <m:r>
+                          <a:rPr lang="en-US" altLang="ru-RU" sz="2000" b="1" i="1">
+                            <a:solidFill>
+                              <a:srgbClr val="222222"/>
+                            </a:solidFill>
+                            <a:latin typeface="Cambria Math"/>
+                            <a:ea typeface="Cambria Math"/>
+                            <a:cs typeface="Arial" charset="0"/>
+                          </a:rPr>
+                          <m:t>,</m:t>
+                        </m:r>
+                        <m:r>
+                          <a:rPr lang="en-US" altLang="ru-RU" sz="2000" b="1" i="1">
+                            <a:solidFill>
+                              <a:srgbClr val="222222"/>
+                            </a:solidFill>
+                            <a:latin typeface="Cambria Math"/>
+                            <a:ea typeface="Cambria Math"/>
+                            <a:cs typeface="Arial" charset="0"/>
+                          </a:rPr>
+                          <m:t>𝜹</m:t>
+                        </m:r>
+                        <m:r>
+                          <a:rPr lang="en-US" altLang="ru-RU" sz="2000" b="1" i="1" smtClean="0">
+                            <a:solidFill>
+                              <a:srgbClr val="222222"/>
+                            </a:solidFill>
+                            <a:latin typeface="Cambria Math"/>
+                            <a:ea typeface="Cambria Math"/>
+                            <a:cs typeface="Arial" charset="0"/>
+                          </a:rPr>
+                          <m:t>, </m:t>
+                        </m:r>
+                        <m:r>
+                          <a:rPr lang="en-US" altLang="ru-RU" sz="2000" b="1" i="1" smtClean="0">
+                            <a:solidFill>
+                              <a:srgbClr val="222222"/>
+                            </a:solidFill>
+                            <a:latin typeface="Cambria Math"/>
+                            <a:ea typeface="Cambria Math"/>
+                            <a:cs typeface="Arial" charset="0"/>
+                          </a:rPr>
+                          <m:t>𝒀</m:t>
+                        </m:r>
+                        <m:r>
+                          <a:rPr lang="en-US" altLang="ru-RU" sz="2000" b="1" i="1" smtClean="0">
+                            <a:solidFill>
+                              <a:srgbClr val="222222"/>
+                            </a:solidFill>
+                            <a:latin typeface="Cambria Math"/>
+                            <a:ea typeface="Cambria Math"/>
+                            <a:cs typeface="Arial" charset="0"/>
+                          </a:rPr>
+                          <m:t>,</m:t>
+                        </m:r>
+                        <m:r>
+                          <a:rPr lang="en-US" altLang="ru-RU" sz="2000" b="1" i="1">
+                            <a:solidFill>
+                              <a:srgbClr val="222222"/>
+                            </a:solidFill>
+                            <a:latin typeface="Cambria Math"/>
+                            <a:ea typeface="Cambria Math"/>
+                            <a:cs typeface="Arial" charset="0"/>
+                          </a:rPr>
+                          <m:t>𝜽</m:t>
+                        </m:r>
+                      </m:e>
+                    </m:d>
+                  </m:oMath>
+                </a14:m>
+                <a:r>
+                  <a:rPr lang="ru-RU" altLang="ru-RU" sz="2000" dirty="0" smtClean="0">
+                    <a:solidFill>
+                      <a:srgbClr val="222222"/>
+                    </a:solidFill>
+                    <a:latin typeface="Arial" charset="0"/>
+                    <a:cs typeface="Arial" charset="0"/>
+                  </a:rPr>
+                  <a:t> </a:t>
+                </a:r>
+              </a:p>
+              <a:p>
+                <a:endParaRPr lang="ru-RU" sz="2000" dirty="0"/>
               </a:p>
             </p:txBody>
           </p:sp>
@@ -4330,7 +4980,7 @@
         <mc:Fallback>
           <p:sp>
             <p:nvSpPr>
-              <p:cNvPr id="7" name="TextBox 6"/>
+              <p:cNvPr id="5" name="TextBox 4"/>
               <p:cNvSpPr txBox="1">
                 <a:spLocks noRot="1" noChangeAspect="1" noMove="1" noResize="1" noEditPoints="1" noAdjustHandles="1" noChangeArrowheads="1" noChangeShapeType="1" noTextEdit="1"/>
               </p:cNvSpPr>
@@ -4338,8 +4988,8 @@
             </p:nvSpPr>
             <p:spPr>
               <a:xfrm>
-                <a:off x="460375" y="1556792"/>
-                <a:ext cx="2159117" cy="369332"/>
+                <a:off x="460375" y="2420888"/>
+                <a:ext cx="8144073" cy="3170099"/>
               </a:xfrm>
               <a:prstGeom prst="rect">
                 <a:avLst/>
@@ -4347,7 +4997,7 @@
               <a:blipFill rotWithShape="1">
                 <a:blip r:embed="rId2"/>
                 <a:stretch>
-                  <a:fillRect b="-11475"/>
+                  <a:fillRect l="-824" t="-769"/>
                 </a:stretch>
               </a:blipFill>
             </p:spPr>
@@ -4398,6 +5048,2143 @@
       </p:grpSpPr>
       <p:sp>
         <p:nvSpPr>
+          <p:cNvPr id="2" name="Заголовок 1"/>
+          <p:cNvSpPr>
+            <a:spLocks noGrp="1"/>
+          </p:cNvSpPr>
+          <p:nvPr>
+            <p:ph type="title"/>
+          </p:nvPr>
+        </p:nvSpPr>
+        <p:spPr/>
+        <p:txBody>
+          <a:bodyPr>
+            <a:normAutofit/>
+          </a:bodyPr>
+          <a:lstStyle/>
+          <a:p>
+            <a:r>
+              <a:rPr lang="ru-RU" dirty="0"/>
+              <a:t>КА для </a:t>
+            </a:r>
+            <a:r>
+              <a:rPr lang="ru-RU" dirty="0" smtClean="0"/>
+              <a:t>танка</a:t>
+            </a:r>
+            <a:endParaRPr lang="ru-RU" dirty="0"/>
+          </a:p>
+        </p:txBody>
+      </p:sp>
+      <p:sp>
+        <p:nvSpPr>
+          <p:cNvPr id="21" name="Овал 20"/>
+          <p:cNvSpPr/>
+          <p:nvPr/>
+        </p:nvSpPr>
+        <p:spPr>
+          <a:xfrm>
+            <a:off x="3945028" y="1982133"/>
+            <a:ext cx="1478452" cy="1478452"/>
+          </a:xfrm>
+          <a:prstGeom prst="ellipse">
+            <a:avLst/>
+          </a:prstGeom>
+          <a:noFill/>
+          <a:ln w="76200" cmpd="dbl"/>
+        </p:spPr>
+        <p:style>
+          <a:lnRef idx="2">
+            <a:schemeClr val="accent1">
+              <a:shade val="50000"/>
+            </a:schemeClr>
+          </a:lnRef>
+          <a:fillRef idx="1">
+            <a:schemeClr val="accent1"/>
+          </a:fillRef>
+          <a:effectRef idx="0">
+            <a:schemeClr val="accent1"/>
+          </a:effectRef>
+          <a:fontRef idx="minor">
+            <a:schemeClr val="lt1"/>
+          </a:fontRef>
+        </p:style>
+        <p:txBody>
+          <a:bodyPr rtlCol="0" anchor="ctr"/>
+          <a:lstStyle/>
+          <a:p>
+            <a:pPr algn="ctr"/>
+            <a:r>
+              <a:rPr lang="ru-RU" sz="1600" b="1" dirty="0" smtClean="0">
+                <a:solidFill>
+                  <a:schemeClr val="tx1"/>
+                </a:solidFill>
+              </a:rPr>
+              <a:t>Нет гусеницы</a:t>
+            </a:r>
+            <a:endParaRPr lang="ru-RU" sz="1600" b="1" dirty="0">
+              <a:solidFill>
+                <a:schemeClr val="tx1"/>
+              </a:solidFill>
+            </a:endParaRPr>
+          </a:p>
+        </p:txBody>
+      </p:sp>
+      <p:cxnSp>
+        <p:nvCxnSpPr>
+          <p:cNvPr id="22" name="Прямая со стрелкой 21"/>
+          <p:cNvCxnSpPr>
+            <a:stCxn id="27" idx="6"/>
+            <a:endCxn id="21" idx="2"/>
+          </p:cNvCxnSpPr>
+          <p:nvPr/>
+        </p:nvCxnSpPr>
+        <p:spPr>
+          <a:xfrm flipV="1">
+            <a:off x="2520229" y="2721359"/>
+            <a:ext cx="1424799" cy="487"/>
+          </a:xfrm>
+          <a:prstGeom prst="straightConnector1">
+            <a:avLst/>
+          </a:prstGeom>
+          <a:ln w="38100">
+            <a:tailEnd type="arrow"/>
+          </a:ln>
+        </p:spPr>
+        <p:style>
+          <a:lnRef idx="1">
+            <a:schemeClr val="accent1"/>
+          </a:lnRef>
+          <a:fillRef idx="0">
+            <a:schemeClr val="accent1"/>
+          </a:fillRef>
+          <a:effectRef idx="0">
+            <a:schemeClr val="accent1"/>
+          </a:effectRef>
+          <a:fontRef idx="minor">
+            <a:schemeClr val="tx1"/>
+          </a:fontRef>
+        </p:style>
+      </p:cxnSp>
+      <p:sp>
+        <p:nvSpPr>
+          <p:cNvPr id="24" name="Овал 23"/>
+          <p:cNvSpPr/>
+          <p:nvPr/>
+        </p:nvSpPr>
+        <p:spPr>
+          <a:xfrm>
+            <a:off x="7174757" y="2041432"/>
+            <a:ext cx="1360828" cy="1360828"/>
+          </a:xfrm>
+          <a:prstGeom prst="ellipse">
+            <a:avLst/>
+          </a:prstGeom>
+          <a:noFill/>
+          <a:ln w="76200" cmpd="dbl"/>
+        </p:spPr>
+        <p:style>
+          <a:lnRef idx="2">
+            <a:schemeClr val="accent1">
+              <a:shade val="50000"/>
+            </a:schemeClr>
+          </a:lnRef>
+          <a:fillRef idx="1">
+            <a:schemeClr val="accent1"/>
+          </a:fillRef>
+          <a:effectRef idx="0">
+            <a:schemeClr val="accent1"/>
+          </a:effectRef>
+          <a:fontRef idx="minor">
+            <a:schemeClr val="lt1"/>
+          </a:fontRef>
+        </p:style>
+        <p:txBody>
+          <a:bodyPr rtlCol="0" anchor="ctr"/>
+          <a:lstStyle/>
+          <a:p>
+            <a:pPr algn="ctr"/>
+            <a:r>
+              <a:rPr lang="ru-RU" sz="2000" b="1" dirty="0" smtClean="0">
+                <a:solidFill>
+                  <a:schemeClr val="tx1"/>
+                </a:solidFill>
+              </a:rPr>
+              <a:t>Сгорел</a:t>
+            </a:r>
+            <a:endParaRPr lang="ru-RU" sz="2000" b="1" dirty="0">
+              <a:solidFill>
+                <a:schemeClr val="tx1"/>
+              </a:solidFill>
+            </a:endParaRPr>
+          </a:p>
+        </p:txBody>
+      </p:sp>
+      <p:cxnSp>
+        <p:nvCxnSpPr>
+          <p:cNvPr id="25" name="Прямая со стрелкой 24"/>
+          <p:cNvCxnSpPr>
+            <a:stCxn id="21" idx="6"/>
+            <a:endCxn id="24" idx="2"/>
+          </p:cNvCxnSpPr>
+          <p:nvPr/>
+        </p:nvCxnSpPr>
+        <p:spPr>
+          <a:xfrm>
+            <a:off x="5423480" y="2721359"/>
+            <a:ext cx="1751277" cy="487"/>
+          </a:xfrm>
+          <a:prstGeom prst="straightConnector1">
+            <a:avLst/>
+          </a:prstGeom>
+          <a:ln w="38100">
+            <a:tailEnd type="arrow"/>
+          </a:ln>
+        </p:spPr>
+        <p:style>
+          <a:lnRef idx="1">
+            <a:schemeClr val="accent1"/>
+          </a:lnRef>
+          <a:fillRef idx="0">
+            <a:schemeClr val="accent1"/>
+          </a:fillRef>
+          <a:effectRef idx="0">
+            <a:schemeClr val="accent1"/>
+          </a:effectRef>
+          <a:fontRef idx="minor">
+            <a:schemeClr val="tx1"/>
+          </a:fontRef>
+        </p:style>
+      </p:cxnSp>
+      <p:sp>
+        <p:nvSpPr>
+          <p:cNvPr id="27" name="Овал 26"/>
+          <p:cNvSpPr/>
+          <p:nvPr/>
+        </p:nvSpPr>
+        <p:spPr>
+          <a:xfrm>
+            <a:off x="1159401" y="2041432"/>
+            <a:ext cx="1360828" cy="1360828"/>
+          </a:xfrm>
+          <a:prstGeom prst="ellipse">
+            <a:avLst/>
+          </a:prstGeom>
+          <a:noFill/>
+          <a:ln w="76200" cmpd="dbl"/>
+        </p:spPr>
+        <p:style>
+          <a:lnRef idx="2">
+            <a:schemeClr val="accent1">
+              <a:shade val="50000"/>
+            </a:schemeClr>
+          </a:lnRef>
+          <a:fillRef idx="1">
+            <a:schemeClr val="accent1"/>
+          </a:fillRef>
+          <a:effectRef idx="0">
+            <a:schemeClr val="accent1"/>
+          </a:effectRef>
+          <a:fontRef idx="minor">
+            <a:schemeClr val="lt1"/>
+          </a:fontRef>
+        </p:style>
+        <p:txBody>
+          <a:bodyPr rtlCol="0" anchor="ctr"/>
+          <a:lstStyle/>
+          <a:p>
+            <a:pPr algn="ctr"/>
+            <a:r>
+              <a:rPr lang="ru-RU" sz="2000" b="1" dirty="0" smtClean="0">
+                <a:solidFill>
+                  <a:schemeClr val="tx1"/>
+                </a:solidFill>
+              </a:rPr>
+              <a:t>Норм</a:t>
+            </a:r>
+            <a:endParaRPr lang="ru-RU" sz="2000" b="1" dirty="0">
+              <a:solidFill>
+                <a:schemeClr val="tx1"/>
+              </a:solidFill>
+            </a:endParaRPr>
+          </a:p>
+        </p:txBody>
+      </p:sp>
+      <p:cxnSp>
+        <p:nvCxnSpPr>
+          <p:cNvPr id="28" name="Прямая со стрелкой 27"/>
+          <p:cNvCxnSpPr>
+            <a:endCxn id="27" idx="2"/>
+          </p:cNvCxnSpPr>
+          <p:nvPr/>
+        </p:nvCxnSpPr>
+        <p:spPr>
+          <a:xfrm>
+            <a:off x="255639" y="2721846"/>
+            <a:ext cx="903762" cy="0"/>
+          </a:xfrm>
+          <a:prstGeom prst="straightConnector1">
+            <a:avLst/>
+          </a:prstGeom>
+          <a:ln w="38100">
+            <a:tailEnd type="arrow"/>
+          </a:ln>
+        </p:spPr>
+        <p:style>
+          <a:lnRef idx="1">
+            <a:schemeClr val="accent1"/>
+          </a:lnRef>
+          <a:fillRef idx="0">
+            <a:schemeClr val="accent1"/>
+          </a:fillRef>
+          <a:effectRef idx="0">
+            <a:schemeClr val="accent1"/>
+          </a:effectRef>
+          <a:fontRef idx="minor">
+            <a:schemeClr val="tx1"/>
+          </a:fontRef>
+        </p:style>
+      </p:cxnSp>
+      <p:sp>
+        <p:nvSpPr>
+          <p:cNvPr id="30" name="TextBox 29"/>
+          <p:cNvSpPr txBox="1"/>
+          <p:nvPr/>
+        </p:nvSpPr>
+        <p:spPr>
+          <a:xfrm>
+            <a:off x="2619628" y="2241233"/>
+            <a:ext cx="1284326" cy="369332"/>
+          </a:xfrm>
+          <a:prstGeom prst="rect">
+            <a:avLst/>
+          </a:prstGeom>
+          <a:noFill/>
+        </p:spPr>
+        <p:txBody>
+          <a:bodyPr wrap="none" rtlCol="0">
+            <a:spAutoFit/>
+          </a:bodyPr>
+          <a:lstStyle/>
+          <a:p>
+            <a:pPr algn="ctr"/>
+            <a:r>
+              <a:rPr lang="uk-UA" dirty="0" err="1" smtClean="0"/>
+              <a:t>Попадание</a:t>
+            </a:r>
+            <a:endParaRPr lang="ru-RU" dirty="0"/>
+          </a:p>
+        </p:txBody>
+      </p:sp>
+      <p:sp>
+        <p:nvSpPr>
+          <p:cNvPr id="31" name="TextBox 30"/>
+          <p:cNvSpPr txBox="1"/>
+          <p:nvPr/>
+        </p:nvSpPr>
+        <p:spPr>
+          <a:xfrm>
+            <a:off x="5627793" y="2300875"/>
+            <a:ext cx="1284326" cy="369332"/>
+          </a:xfrm>
+          <a:prstGeom prst="rect">
+            <a:avLst/>
+          </a:prstGeom>
+          <a:noFill/>
+        </p:spPr>
+        <p:txBody>
+          <a:bodyPr wrap="none" rtlCol="0">
+            <a:spAutoFit/>
+          </a:bodyPr>
+          <a:lstStyle/>
+          <a:p>
+            <a:pPr algn="ctr"/>
+            <a:r>
+              <a:rPr lang="uk-UA" dirty="0" err="1" smtClean="0"/>
+              <a:t>Попадание</a:t>
+            </a:r>
+            <a:endParaRPr lang="ru-RU" dirty="0"/>
+          </a:p>
+        </p:txBody>
+      </p:sp>
+      <p:cxnSp>
+        <p:nvCxnSpPr>
+          <p:cNvPr id="32" name="Скругленная соединительная линия 31"/>
+          <p:cNvCxnSpPr>
+            <a:stCxn id="21" idx="4"/>
+            <a:endCxn id="27" idx="5"/>
+          </p:cNvCxnSpPr>
+          <p:nvPr/>
+        </p:nvCxnSpPr>
+        <p:spPr>
+          <a:xfrm rot="5400000" flipH="1">
+            <a:off x="3373790" y="2150121"/>
+            <a:ext cx="257614" cy="2363314"/>
+          </a:xfrm>
+          <a:prstGeom prst="curvedConnector3">
+            <a:avLst>
+              <a:gd name="adj1" fmla="val -88737"/>
+            </a:avLst>
+          </a:prstGeom>
+          <a:ln w="38100">
+            <a:tailEnd type="arrow"/>
+          </a:ln>
+        </p:spPr>
+        <p:style>
+          <a:lnRef idx="1">
+            <a:schemeClr val="accent1"/>
+          </a:lnRef>
+          <a:fillRef idx="0">
+            <a:schemeClr val="accent1"/>
+          </a:fillRef>
+          <a:effectRef idx="0">
+            <a:schemeClr val="accent1"/>
+          </a:effectRef>
+          <a:fontRef idx="minor">
+            <a:schemeClr val="tx1"/>
+          </a:fontRef>
+        </p:style>
+      </p:cxnSp>
+      <p:sp>
+        <p:nvSpPr>
+          <p:cNvPr id="54" name="TextBox 53"/>
+          <p:cNvSpPr txBox="1"/>
+          <p:nvPr/>
+        </p:nvSpPr>
+        <p:spPr>
+          <a:xfrm>
+            <a:off x="3050292" y="3156315"/>
+            <a:ext cx="904608" cy="369332"/>
+          </a:xfrm>
+          <a:prstGeom prst="rect">
+            <a:avLst/>
+          </a:prstGeom>
+          <a:noFill/>
+        </p:spPr>
+        <p:txBody>
+          <a:bodyPr wrap="none" rtlCol="0">
+            <a:spAutoFit/>
+          </a:bodyPr>
+          <a:lstStyle/>
+          <a:p>
+            <a:pPr algn="ctr"/>
+            <a:r>
+              <a:rPr lang="ru-RU" dirty="0" smtClean="0"/>
+              <a:t>Ремонт</a:t>
+            </a:r>
+            <a:endParaRPr lang="ru-RU" dirty="0"/>
+          </a:p>
+        </p:txBody>
+      </p:sp>
+    </p:spTree>
+    <p:extLst>
+      <p:ext uri="{BB962C8B-B14F-4D97-AF65-F5344CB8AC3E}">
+        <p14:creationId xmlns:p14="http://schemas.microsoft.com/office/powerpoint/2010/main" val="66415260"/>
+      </p:ext>
+    </p:extLst>
+  </p:cSld>
+  <p:clrMapOvr>
+    <a:masterClrMapping/>
+  </p:clrMapOvr>
+</p:sld>
+</file>
+
+<file path=ppt/slides/slide4.xml><?xml version="1.0" encoding="utf-8"?>
+<p:sld xmlns:a="http://schemas.openxmlformats.org/drawingml/2006/main" xmlns:r="http://schemas.openxmlformats.org/officeDocument/2006/relationships" xmlns:p="http://schemas.openxmlformats.org/presentationml/2006/main">
+  <p:cSld>
+    <p:spTree>
+      <p:nvGrpSpPr>
+        <p:cNvPr id="1" name=""/>
+        <p:cNvGrpSpPr/>
+        <p:nvPr/>
+      </p:nvGrpSpPr>
+      <p:grpSpPr>
+        <a:xfrm>
+          <a:off x="0" y="0"/>
+          <a:ext cx="0" cy="0"/>
+          <a:chOff x="0" y="0"/>
+          <a:chExt cx="0" cy="0"/>
+        </a:xfrm>
+      </p:grpSpPr>
+      <p:sp>
+        <p:nvSpPr>
+          <p:cNvPr id="2" name="Заголовок 1"/>
+          <p:cNvSpPr>
+            <a:spLocks noGrp="1"/>
+          </p:cNvSpPr>
+          <p:nvPr>
+            <p:ph type="title"/>
+          </p:nvPr>
+        </p:nvSpPr>
+        <p:spPr/>
+        <p:txBody>
+          <a:bodyPr>
+            <a:normAutofit fontScale="90000"/>
+          </a:bodyPr>
+          <a:lstStyle/>
+          <a:p>
+            <a:r>
+              <a:rPr lang="ru-RU" dirty="0" smtClean="0"/>
+              <a:t>КА для танка с выводом и различными входными данными</a:t>
+            </a:r>
+            <a:endParaRPr lang="ru-RU" dirty="0"/>
+          </a:p>
+        </p:txBody>
+      </p:sp>
+      <p:sp>
+        <p:nvSpPr>
+          <p:cNvPr id="4" name="Овал 3"/>
+          <p:cNvSpPr/>
+          <p:nvPr/>
+        </p:nvSpPr>
+        <p:spPr>
+          <a:xfrm>
+            <a:off x="3762741" y="3953425"/>
+            <a:ext cx="1478452" cy="1478452"/>
+          </a:xfrm>
+          <a:prstGeom prst="ellipse">
+            <a:avLst/>
+          </a:prstGeom>
+          <a:noFill/>
+          <a:ln w="76200" cmpd="dbl"/>
+        </p:spPr>
+        <p:style>
+          <a:lnRef idx="2">
+            <a:schemeClr val="accent1">
+              <a:shade val="50000"/>
+            </a:schemeClr>
+          </a:lnRef>
+          <a:fillRef idx="1">
+            <a:schemeClr val="accent1"/>
+          </a:fillRef>
+          <a:effectRef idx="0">
+            <a:schemeClr val="accent1"/>
+          </a:effectRef>
+          <a:fontRef idx="minor">
+            <a:schemeClr val="lt1"/>
+          </a:fontRef>
+        </p:style>
+        <p:txBody>
+          <a:bodyPr rtlCol="0" anchor="ctr"/>
+          <a:lstStyle/>
+          <a:p>
+            <a:pPr algn="ctr"/>
+            <a:r>
+              <a:rPr lang="ru-RU" sz="1600" b="1" dirty="0" smtClean="0">
+                <a:solidFill>
+                  <a:schemeClr val="tx1"/>
+                </a:solidFill>
+              </a:rPr>
+              <a:t>Нет гусеницы</a:t>
+            </a:r>
+            <a:endParaRPr lang="ru-RU" sz="1600" b="1" dirty="0">
+              <a:solidFill>
+                <a:schemeClr val="tx1"/>
+              </a:solidFill>
+            </a:endParaRPr>
+          </a:p>
+        </p:txBody>
+      </p:sp>
+      <p:cxnSp>
+        <p:nvCxnSpPr>
+          <p:cNvPr id="5" name="Прямая со стрелкой 4"/>
+          <p:cNvCxnSpPr>
+            <a:stCxn id="8" idx="6"/>
+            <a:endCxn id="4" idx="2"/>
+          </p:cNvCxnSpPr>
+          <p:nvPr/>
+        </p:nvCxnSpPr>
+        <p:spPr>
+          <a:xfrm flipV="1">
+            <a:off x="2337942" y="4692651"/>
+            <a:ext cx="1424799" cy="487"/>
+          </a:xfrm>
+          <a:prstGeom prst="straightConnector1">
+            <a:avLst/>
+          </a:prstGeom>
+          <a:ln w="38100">
+            <a:tailEnd type="arrow"/>
+          </a:ln>
+        </p:spPr>
+        <p:style>
+          <a:lnRef idx="1">
+            <a:schemeClr val="accent1"/>
+          </a:lnRef>
+          <a:fillRef idx="0">
+            <a:schemeClr val="accent1"/>
+          </a:fillRef>
+          <a:effectRef idx="0">
+            <a:schemeClr val="accent1"/>
+          </a:effectRef>
+          <a:fontRef idx="minor">
+            <a:schemeClr val="tx1"/>
+          </a:fontRef>
+        </p:style>
+      </p:cxnSp>
+      <p:sp>
+        <p:nvSpPr>
+          <p:cNvPr id="6" name="Овал 5"/>
+          <p:cNvSpPr/>
+          <p:nvPr/>
+        </p:nvSpPr>
+        <p:spPr>
+          <a:xfrm>
+            <a:off x="6992470" y="4012724"/>
+            <a:ext cx="1360828" cy="1360828"/>
+          </a:xfrm>
+          <a:prstGeom prst="ellipse">
+            <a:avLst/>
+          </a:prstGeom>
+          <a:noFill/>
+          <a:ln w="76200" cmpd="dbl"/>
+        </p:spPr>
+        <p:style>
+          <a:lnRef idx="2">
+            <a:schemeClr val="accent1">
+              <a:shade val="50000"/>
+            </a:schemeClr>
+          </a:lnRef>
+          <a:fillRef idx="1">
+            <a:schemeClr val="accent1"/>
+          </a:fillRef>
+          <a:effectRef idx="0">
+            <a:schemeClr val="accent1"/>
+          </a:effectRef>
+          <a:fontRef idx="minor">
+            <a:schemeClr val="lt1"/>
+          </a:fontRef>
+        </p:style>
+        <p:txBody>
+          <a:bodyPr rtlCol="0" anchor="ctr"/>
+          <a:lstStyle/>
+          <a:p>
+            <a:pPr algn="ctr"/>
+            <a:r>
+              <a:rPr lang="ru-RU" sz="2000" b="1" dirty="0" smtClean="0">
+                <a:solidFill>
+                  <a:schemeClr val="tx1"/>
+                </a:solidFill>
+              </a:rPr>
+              <a:t>Сгорел</a:t>
+            </a:r>
+            <a:endParaRPr lang="ru-RU" sz="2000" b="1" dirty="0">
+              <a:solidFill>
+                <a:schemeClr val="tx1"/>
+              </a:solidFill>
+            </a:endParaRPr>
+          </a:p>
+        </p:txBody>
+      </p:sp>
+      <p:cxnSp>
+        <p:nvCxnSpPr>
+          <p:cNvPr id="7" name="Прямая со стрелкой 6"/>
+          <p:cNvCxnSpPr>
+            <a:stCxn id="4" idx="6"/>
+            <a:endCxn id="6" idx="2"/>
+          </p:cNvCxnSpPr>
+          <p:nvPr/>
+        </p:nvCxnSpPr>
+        <p:spPr>
+          <a:xfrm>
+            <a:off x="5241193" y="4692651"/>
+            <a:ext cx="1751277" cy="487"/>
+          </a:xfrm>
+          <a:prstGeom prst="straightConnector1">
+            <a:avLst/>
+          </a:prstGeom>
+          <a:ln w="38100">
+            <a:tailEnd type="arrow"/>
+          </a:ln>
+        </p:spPr>
+        <p:style>
+          <a:lnRef idx="1">
+            <a:schemeClr val="accent1"/>
+          </a:lnRef>
+          <a:fillRef idx="0">
+            <a:schemeClr val="accent1"/>
+          </a:fillRef>
+          <a:effectRef idx="0">
+            <a:schemeClr val="accent1"/>
+          </a:effectRef>
+          <a:fontRef idx="minor">
+            <a:schemeClr val="tx1"/>
+          </a:fontRef>
+        </p:style>
+      </p:cxnSp>
+      <p:sp>
+        <p:nvSpPr>
+          <p:cNvPr id="8" name="Овал 7"/>
+          <p:cNvSpPr/>
+          <p:nvPr/>
+        </p:nvSpPr>
+        <p:spPr>
+          <a:xfrm>
+            <a:off x="977114" y="4012724"/>
+            <a:ext cx="1360828" cy="1360828"/>
+          </a:xfrm>
+          <a:prstGeom prst="ellipse">
+            <a:avLst/>
+          </a:prstGeom>
+          <a:noFill/>
+          <a:ln w="76200" cmpd="dbl"/>
+        </p:spPr>
+        <p:style>
+          <a:lnRef idx="2">
+            <a:schemeClr val="accent1">
+              <a:shade val="50000"/>
+            </a:schemeClr>
+          </a:lnRef>
+          <a:fillRef idx="1">
+            <a:schemeClr val="accent1"/>
+          </a:fillRef>
+          <a:effectRef idx="0">
+            <a:schemeClr val="accent1"/>
+          </a:effectRef>
+          <a:fontRef idx="minor">
+            <a:schemeClr val="lt1"/>
+          </a:fontRef>
+        </p:style>
+        <p:txBody>
+          <a:bodyPr rtlCol="0" anchor="ctr"/>
+          <a:lstStyle/>
+          <a:p>
+            <a:pPr algn="ctr"/>
+            <a:r>
+              <a:rPr lang="ru-RU" sz="2000" b="1" dirty="0" smtClean="0">
+                <a:solidFill>
+                  <a:schemeClr val="tx1"/>
+                </a:solidFill>
+              </a:rPr>
+              <a:t>Норм</a:t>
+            </a:r>
+            <a:endParaRPr lang="ru-RU" sz="2000" b="1" dirty="0">
+              <a:solidFill>
+                <a:schemeClr val="tx1"/>
+              </a:solidFill>
+            </a:endParaRPr>
+          </a:p>
+        </p:txBody>
+      </p:sp>
+      <p:cxnSp>
+        <p:nvCxnSpPr>
+          <p:cNvPr id="9" name="Прямая со стрелкой 8"/>
+          <p:cNvCxnSpPr>
+            <a:endCxn id="8" idx="2"/>
+          </p:cNvCxnSpPr>
+          <p:nvPr/>
+        </p:nvCxnSpPr>
+        <p:spPr>
+          <a:xfrm>
+            <a:off x="73352" y="4693138"/>
+            <a:ext cx="903762" cy="0"/>
+          </a:xfrm>
+          <a:prstGeom prst="straightConnector1">
+            <a:avLst/>
+          </a:prstGeom>
+          <a:ln w="38100">
+            <a:tailEnd type="arrow"/>
+          </a:ln>
+        </p:spPr>
+        <p:style>
+          <a:lnRef idx="1">
+            <a:schemeClr val="accent1"/>
+          </a:lnRef>
+          <a:fillRef idx="0">
+            <a:schemeClr val="accent1"/>
+          </a:fillRef>
+          <a:effectRef idx="0">
+            <a:schemeClr val="accent1"/>
+          </a:effectRef>
+          <a:fontRef idx="minor">
+            <a:schemeClr val="tx1"/>
+          </a:fontRef>
+        </p:style>
+      </p:cxnSp>
+      <p:sp>
+        <p:nvSpPr>
+          <p:cNvPr id="10" name="TextBox 9"/>
+          <p:cNvSpPr txBox="1"/>
+          <p:nvPr/>
+        </p:nvSpPr>
+        <p:spPr>
+          <a:xfrm>
+            <a:off x="2628900" y="4212525"/>
+            <a:ext cx="901209" cy="923330"/>
+          </a:xfrm>
+          <a:prstGeom prst="rect">
+            <a:avLst/>
+          </a:prstGeom>
+          <a:noFill/>
+        </p:spPr>
+        <p:txBody>
+          <a:bodyPr wrap="none" rtlCol="0">
+            <a:spAutoFit/>
+          </a:bodyPr>
+          <a:lstStyle/>
+          <a:p>
+            <a:pPr algn="ctr"/>
+            <a:r>
+              <a:rPr lang="uk-UA" dirty="0" smtClean="0"/>
+              <a:t>С</a:t>
+            </a:r>
+            <a:r>
+              <a:rPr lang="uk-UA" dirty="0" smtClean="0"/>
+              <a:t>наряд</a:t>
+            </a:r>
+          </a:p>
+          <a:p>
+            <a:pPr algn="ctr"/>
+            <a:endParaRPr lang="uk-UA" dirty="0"/>
+          </a:p>
+          <a:p>
+            <a:pPr algn="ctr"/>
+            <a:r>
+              <a:rPr lang="uk-UA" dirty="0" smtClean="0"/>
+              <a:t>«Бум»</a:t>
+            </a:r>
+          </a:p>
+        </p:txBody>
+      </p:sp>
+      <p:sp>
+        <p:nvSpPr>
+          <p:cNvPr id="11" name="TextBox 10"/>
+          <p:cNvSpPr txBox="1"/>
+          <p:nvPr/>
+        </p:nvSpPr>
+        <p:spPr>
+          <a:xfrm>
+            <a:off x="5637067" y="4272167"/>
+            <a:ext cx="901208" cy="923330"/>
+          </a:xfrm>
+          <a:prstGeom prst="rect">
+            <a:avLst/>
+          </a:prstGeom>
+          <a:noFill/>
+        </p:spPr>
+        <p:txBody>
+          <a:bodyPr wrap="none" rtlCol="0">
+            <a:spAutoFit/>
+          </a:bodyPr>
+          <a:lstStyle/>
+          <a:p>
+            <a:pPr algn="ctr"/>
+            <a:r>
+              <a:rPr lang="uk-UA" dirty="0"/>
+              <a:t>Снаряд</a:t>
+            </a:r>
+          </a:p>
+          <a:p>
+            <a:pPr algn="ctr"/>
+            <a:endParaRPr lang="uk-UA" dirty="0"/>
+          </a:p>
+          <a:p>
+            <a:pPr algn="ctr"/>
+            <a:r>
+              <a:rPr lang="uk-UA" dirty="0"/>
+              <a:t>«Бум»</a:t>
+            </a:r>
+          </a:p>
+        </p:txBody>
+      </p:sp>
+      <p:cxnSp>
+        <p:nvCxnSpPr>
+          <p:cNvPr id="12" name="Скругленная соединительная линия 11"/>
+          <p:cNvCxnSpPr>
+            <a:stCxn id="4" idx="3"/>
+            <a:endCxn id="8" idx="5"/>
+          </p:cNvCxnSpPr>
+          <p:nvPr/>
+        </p:nvCxnSpPr>
+        <p:spPr>
+          <a:xfrm rot="5400000" flipH="1">
+            <a:off x="3038404" y="4274512"/>
+            <a:ext cx="41100" cy="1840602"/>
+          </a:xfrm>
+          <a:prstGeom prst="curvedConnector3">
+            <a:avLst>
+              <a:gd name="adj1" fmla="val -1616959"/>
+            </a:avLst>
+          </a:prstGeom>
+          <a:ln w="38100">
+            <a:tailEnd type="arrow"/>
+          </a:ln>
+        </p:spPr>
+        <p:style>
+          <a:lnRef idx="1">
+            <a:schemeClr val="accent1"/>
+          </a:lnRef>
+          <a:fillRef idx="0">
+            <a:schemeClr val="accent1"/>
+          </a:fillRef>
+          <a:effectRef idx="0">
+            <a:schemeClr val="accent1"/>
+          </a:effectRef>
+          <a:fontRef idx="minor">
+            <a:schemeClr val="tx1"/>
+          </a:fontRef>
+        </p:style>
+      </p:cxnSp>
+      <p:sp>
+        <p:nvSpPr>
+          <p:cNvPr id="13" name="TextBox 12"/>
+          <p:cNvSpPr txBox="1"/>
+          <p:nvPr/>
+        </p:nvSpPr>
+        <p:spPr>
+          <a:xfrm>
+            <a:off x="2446704" y="5976356"/>
+            <a:ext cx="904608" cy="369332"/>
+          </a:xfrm>
+          <a:prstGeom prst="rect">
+            <a:avLst/>
+          </a:prstGeom>
+          <a:noFill/>
+        </p:spPr>
+        <p:txBody>
+          <a:bodyPr wrap="none" rtlCol="0">
+            <a:spAutoFit/>
+          </a:bodyPr>
+          <a:lstStyle/>
+          <a:p>
+            <a:pPr algn="ctr"/>
+            <a:r>
+              <a:rPr lang="ru-RU" dirty="0" smtClean="0"/>
+              <a:t>Ремонт</a:t>
+            </a:r>
+            <a:endParaRPr lang="ru-RU" dirty="0"/>
+          </a:p>
+        </p:txBody>
+      </p:sp>
+      <p:cxnSp>
+        <p:nvCxnSpPr>
+          <p:cNvPr id="14" name="Скругленная соединительная линия 13"/>
+          <p:cNvCxnSpPr>
+            <a:stCxn id="8" idx="1"/>
+            <a:endCxn id="8" idx="0"/>
+          </p:cNvCxnSpPr>
+          <p:nvPr/>
+        </p:nvCxnSpPr>
+        <p:spPr>
+          <a:xfrm rot="5400000" flipH="1" flipV="1">
+            <a:off x="1317321" y="3871807"/>
+            <a:ext cx="199289" cy="481125"/>
+          </a:xfrm>
+          <a:prstGeom prst="curvedConnector3">
+            <a:avLst>
+              <a:gd name="adj1" fmla="val 465535"/>
+            </a:avLst>
+          </a:prstGeom>
+          <a:ln w="38100">
+            <a:tailEnd type="arrow"/>
+          </a:ln>
+        </p:spPr>
+        <p:style>
+          <a:lnRef idx="1">
+            <a:schemeClr val="accent1"/>
+          </a:lnRef>
+          <a:fillRef idx="0">
+            <a:schemeClr val="accent1"/>
+          </a:fillRef>
+          <a:effectRef idx="0">
+            <a:schemeClr val="accent1"/>
+          </a:effectRef>
+          <a:fontRef idx="minor">
+            <a:schemeClr val="tx1"/>
+          </a:fontRef>
+        </p:style>
+      </p:cxnSp>
+      <p:cxnSp>
+        <p:nvCxnSpPr>
+          <p:cNvPr id="15" name="Скругленная соединительная линия 14"/>
+          <p:cNvCxnSpPr>
+            <a:stCxn id="4" idx="1"/>
+            <a:endCxn id="4" idx="0"/>
+          </p:cNvCxnSpPr>
+          <p:nvPr/>
+        </p:nvCxnSpPr>
+        <p:spPr>
+          <a:xfrm rot="5400000" flipH="1" flipV="1">
+            <a:off x="4132354" y="3800326"/>
+            <a:ext cx="216514" cy="522712"/>
+          </a:xfrm>
+          <a:prstGeom prst="curvedConnector3">
+            <a:avLst>
+              <a:gd name="adj1" fmla="val 340727"/>
+            </a:avLst>
+          </a:prstGeom>
+          <a:ln w="38100">
+            <a:tailEnd type="arrow"/>
+          </a:ln>
+        </p:spPr>
+        <p:style>
+          <a:lnRef idx="1">
+            <a:schemeClr val="accent1"/>
+          </a:lnRef>
+          <a:fillRef idx="0">
+            <a:schemeClr val="accent1"/>
+          </a:fillRef>
+          <a:effectRef idx="0">
+            <a:schemeClr val="accent1"/>
+          </a:effectRef>
+          <a:fontRef idx="minor">
+            <a:schemeClr val="tx1"/>
+          </a:fontRef>
+        </p:style>
+      </p:cxnSp>
+      <p:cxnSp>
+        <p:nvCxnSpPr>
+          <p:cNvPr id="16" name="Скругленная соединительная линия 15"/>
+          <p:cNvCxnSpPr>
+            <a:stCxn id="8" idx="7"/>
+            <a:endCxn id="6" idx="1"/>
+          </p:cNvCxnSpPr>
+          <p:nvPr/>
+        </p:nvCxnSpPr>
+        <p:spPr>
+          <a:xfrm rot="5400000" flipH="1" flipV="1">
+            <a:off x="4665206" y="1685460"/>
+            <a:ext cx="12700" cy="5053106"/>
+          </a:xfrm>
+          <a:prstGeom prst="curvedConnector3">
+            <a:avLst>
+              <a:gd name="adj1" fmla="val 14409205"/>
+            </a:avLst>
+          </a:prstGeom>
+          <a:ln w="38100">
+            <a:tailEnd type="arrow"/>
+          </a:ln>
+        </p:spPr>
+        <p:style>
+          <a:lnRef idx="1">
+            <a:schemeClr val="accent1"/>
+          </a:lnRef>
+          <a:fillRef idx="0">
+            <a:schemeClr val="accent1"/>
+          </a:fillRef>
+          <a:effectRef idx="0">
+            <a:schemeClr val="accent1"/>
+          </a:effectRef>
+          <a:fontRef idx="minor">
+            <a:schemeClr val="tx1"/>
+          </a:fontRef>
+        </p:style>
+      </p:cxnSp>
+      <p:sp>
+        <p:nvSpPr>
+          <p:cNvPr id="17" name="Прямоугольник 16"/>
+          <p:cNvSpPr/>
+          <p:nvPr/>
+        </p:nvSpPr>
+        <p:spPr>
+          <a:xfrm>
+            <a:off x="4177254" y="1947542"/>
+            <a:ext cx="988605" cy="923330"/>
+          </a:xfrm>
+          <a:prstGeom prst="rect">
+            <a:avLst/>
+          </a:prstGeom>
+        </p:spPr>
+        <p:txBody>
+          <a:bodyPr wrap="none">
+            <a:spAutoFit/>
+          </a:bodyPr>
+          <a:lstStyle/>
+          <a:p>
+            <a:pPr algn="ctr"/>
+            <a:r>
+              <a:rPr lang="uk-UA" dirty="0" smtClean="0"/>
+              <a:t>ПТУР</a:t>
+            </a:r>
+          </a:p>
+          <a:p>
+            <a:pPr algn="ctr"/>
+            <a:endParaRPr lang="uk-UA" dirty="0"/>
+          </a:p>
+          <a:p>
+            <a:pPr algn="ctr"/>
+            <a:r>
+              <a:rPr lang="uk-UA" dirty="0" smtClean="0"/>
+              <a:t>«Бабах»</a:t>
+            </a:r>
+            <a:endParaRPr lang="uk-UA" dirty="0"/>
+          </a:p>
+        </p:txBody>
+      </p:sp>
+      <p:sp>
+        <p:nvSpPr>
+          <p:cNvPr id="18" name="Прямоугольник 17"/>
+          <p:cNvSpPr/>
+          <p:nvPr/>
+        </p:nvSpPr>
+        <p:spPr>
+          <a:xfrm>
+            <a:off x="121306" y="2943174"/>
+            <a:ext cx="1055097" cy="646331"/>
+          </a:xfrm>
+          <a:prstGeom prst="rect">
+            <a:avLst/>
+          </a:prstGeom>
+        </p:spPr>
+        <p:txBody>
+          <a:bodyPr wrap="none">
+            <a:spAutoFit/>
+          </a:bodyPr>
+          <a:lstStyle/>
+          <a:p>
+            <a:pPr algn="ctr"/>
+            <a:r>
+              <a:rPr lang="uk-UA" dirty="0" smtClean="0"/>
+              <a:t>Пуля</a:t>
+            </a:r>
+            <a:br>
+              <a:rPr lang="uk-UA" dirty="0" smtClean="0"/>
+            </a:br>
+            <a:r>
+              <a:rPr lang="uk-UA" dirty="0" smtClean="0"/>
+              <a:t>«</a:t>
+            </a:r>
+            <a:r>
+              <a:rPr lang="uk-UA" dirty="0" err="1" smtClean="0"/>
+              <a:t>Дзынь</a:t>
+            </a:r>
+            <a:r>
+              <a:rPr lang="uk-UA" dirty="0" smtClean="0"/>
+              <a:t>»</a:t>
+            </a:r>
+            <a:endParaRPr lang="uk-UA" dirty="0"/>
+          </a:p>
+        </p:txBody>
+      </p:sp>
+      <p:cxnSp>
+        <p:nvCxnSpPr>
+          <p:cNvPr id="20" name="Скругленная соединительная линия 19"/>
+          <p:cNvCxnSpPr>
+            <a:stCxn id="4" idx="5"/>
+            <a:endCxn id="6" idx="4"/>
+          </p:cNvCxnSpPr>
+          <p:nvPr/>
+        </p:nvCxnSpPr>
+        <p:spPr>
+          <a:xfrm rot="16200000" flipH="1">
+            <a:off x="6269687" y="3970354"/>
+            <a:ext cx="158189" cy="2648205"/>
+          </a:xfrm>
+          <a:prstGeom prst="curvedConnector3">
+            <a:avLst>
+              <a:gd name="adj1" fmla="val 450940"/>
+            </a:avLst>
+          </a:prstGeom>
+          <a:ln w="38100">
+            <a:tailEnd type="arrow"/>
+          </a:ln>
+        </p:spPr>
+        <p:style>
+          <a:lnRef idx="1">
+            <a:schemeClr val="accent1"/>
+          </a:lnRef>
+          <a:fillRef idx="0">
+            <a:schemeClr val="accent1"/>
+          </a:fillRef>
+          <a:effectRef idx="0">
+            <a:schemeClr val="accent1"/>
+          </a:effectRef>
+          <a:fontRef idx="minor">
+            <a:schemeClr val="tx1"/>
+          </a:fontRef>
+        </p:style>
+      </p:cxnSp>
+      <p:sp>
+        <p:nvSpPr>
+          <p:cNvPr id="21" name="Прямоугольник 20"/>
+          <p:cNvSpPr/>
+          <p:nvPr/>
+        </p:nvSpPr>
+        <p:spPr>
+          <a:xfrm>
+            <a:off x="5965498" y="5607024"/>
+            <a:ext cx="988605" cy="923330"/>
+          </a:xfrm>
+          <a:prstGeom prst="rect">
+            <a:avLst/>
+          </a:prstGeom>
+        </p:spPr>
+        <p:txBody>
+          <a:bodyPr wrap="none">
+            <a:spAutoFit/>
+          </a:bodyPr>
+          <a:lstStyle/>
+          <a:p>
+            <a:pPr algn="ctr"/>
+            <a:r>
+              <a:rPr lang="uk-UA" dirty="0"/>
+              <a:t>ПТУР</a:t>
+            </a:r>
+          </a:p>
+          <a:p>
+            <a:pPr algn="ctr"/>
+            <a:endParaRPr lang="uk-UA" dirty="0"/>
+          </a:p>
+          <a:p>
+            <a:pPr algn="ctr"/>
+            <a:r>
+              <a:rPr lang="uk-UA" dirty="0"/>
+              <a:t>«Бабах»</a:t>
+            </a:r>
+            <a:endParaRPr lang="uk-UA" dirty="0"/>
+          </a:p>
+        </p:txBody>
+      </p:sp>
+      <p:sp>
+        <p:nvSpPr>
+          <p:cNvPr id="26" name="Прямоугольник 25"/>
+          <p:cNvSpPr/>
+          <p:nvPr/>
+        </p:nvSpPr>
+        <p:spPr>
+          <a:xfrm>
+            <a:off x="3079504" y="3095574"/>
+            <a:ext cx="1055097" cy="646331"/>
+          </a:xfrm>
+          <a:prstGeom prst="rect">
+            <a:avLst/>
+          </a:prstGeom>
+        </p:spPr>
+        <p:txBody>
+          <a:bodyPr wrap="none">
+            <a:spAutoFit/>
+          </a:bodyPr>
+          <a:lstStyle/>
+          <a:p>
+            <a:pPr algn="ctr"/>
+            <a:r>
+              <a:rPr lang="uk-UA" dirty="0" smtClean="0"/>
+              <a:t>Пуля</a:t>
+            </a:r>
+            <a:br>
+              <a:rPr lang="uk-UA" dirty="0" smtClean="0"/>
+            </a:br>
+            <a:r>
+              <a:rPr lang="uk-UA" dirty="0" smtClean="0"/>
+              <a:t>«</a:t>
+            </a:r>
+            <a:r>
+              <a:rPr lang="uk-UA" dirty="0" err="1" smtClean="0"/>
+              <a:t>Дзынь</a:t>
+            </a:r>
+            <a:r>
+              <a:rPr lang="uk-UA" dirty="0" smtClean="0"/>
+              <a:t>»</a:t>
+            </a:r>
+            <a:endParaRPr lang="uk-UA" dirty="0"/>
+          </a:p>
+        </p:txBody>
+      </p:sp>
+    </p:spTree>
+    <p:extLst>
+      <p:ext uri="{BB962C8B-B14F-4D97-AF65-F5344CB8AC3E}">
+        <p14:creationId xmlns:p14="http://schemas.microsoft.com/office/powerpoint/2010/main" val="167333706"/>
+      </p:ext>
+    </p:extLst>
+  </p:cSld>
+  <p:clrMapOvr>
+    <a:masterClrMapping/>
+  </p:clrMapOvr>
+</p:sld>
+</file>
+
+<file path=ppt/slides/slide5.xml><?xml version="1.0" encoding="utf-8"?>
+<p:sld xmlns:a="http://schemas.openxmlformats.org/drawingml/2006/main" xmlns:r="http://schemas.openxmlformats.org/officeDocument/2006/relationships" xmlns:p="http://schemas.openxmlformats.org/presentationml/2006/main">
+  <p:cSld>
+    <p:spTree>
+      <p:nvGrpSpPr>
+        <p:cNvPr id="1" name=""/>
+        <p:cNvGrpSpPr/>
+        <p:nvPr/>
+      </p:nvGrpSpPr>
+      <p:grpSpPr>
+        <a:xfrm>
+          <a:off x="0" y="0"/>
+          <a:ext cx="0" cy="0"/>
+          <a:chOff x="0" y="0"/>
+          <a:chExt cx="0" cy="0"/>
+        </a:xfrm>
+      </p:grpSpPr>
+      <p:sp>
+        <p:nvSpPr>
+          <p:cNvPr id="2" name="Заголовок 1"/>
+          <p:cNvSpPr>
+            <a:spLocks noGrp="1"/>
+          </p:cNvSpPr>
+          <p:nvPr>
+            <p:ph type="title"/>
+          </p:nvPr>
+        </p:nvSpPr>
+        <p:spPr/>
+        <p:txBody>
+          <a:bodyPr>
+            <a:normAutofit fontScale="90000"/>
+          </a:bodyPr>
+          <a:lstStyle/>
+          <a:p>
+            <a:r>
+              <a:rPr lang="ru-RU" dirty="0" smtClean="0"/>
+              <a:t>Вероятностный автомат для танка</a:t>
+            </a:r>
+            <a:endParaRPr lang="ru-RU" dirty="0"/>
+          </a:p>
+        </p:txBody>
+      </p:sp>
+      <p:sp>
+        <p:nvSpPr>
+          <p:cNvPr id="4" name="Овал 3"/>
+          <p:cNvSpPr/>
+          <p:nvPr/>
+        </p:nvSpPr>
+        <p:spPr>
+          <a:xfrm>
+            <a:off x="3762741" y="3953425"/>
+            <a:ext cx="1478452" cy="1478452"/>
+          </a:xfrm>
+          <a:prstGeom prst="ellipse">
+            <a:avLst/>
+          </a:prstGeom>
+          <a:noFill/>
+          <a:ln w="76200" cmpd="dbl"/>
+        </p:spPr>
+        <p:style>
+          <a:lnRef idx="2">
+            <a:schemeClr val="accent1">
+              <a:shade val="50000"/>
+            </a:schemeClr>
+          </a:lnRef>
+          <a:fillRef idx="1">
+            <a:schemeClr val="accent1"/>
+          </a:fillRef>
+          <a:effectRef idx="0">
+            <a:schemeClr val="accent1"/>
+          </a:effectRef>
+          <a:fontRef idx="minor">
+            <a:schemeClr val="lt1"/>
+          </a:fontRef>
+        </p:style>
+        <p:txBody>
+          <a:bodyPr rtlCol="0" anchor="ctr"/>
+          <a:lstStyle/>
+          <a:p>
+            <a:pPr algn="ctr"/>
+            <a:r>
+              <a:rPr lang="ru-RU" sz="1600" b="1" dirty="0" smtClean="0">
+                <a:solidFill>
+                  <a:schemeClr val="tx1"/>
+                </a:solidFill>
+              </a:rPr>
+              <a:t>Нет гусеницы</a:t>
+            </a:r>
+            <a:endParaRPr lang="ru-RU" sz="1600" b="1" dirty="0">
+              <a:solidFill>
+                <a:schemeClr val="tx1"/>
+              </a:solidFill>
+            </a:endParaRPr>
+          </a:p>
+        </p:txBody>
+      </p:sp>
+      <p:cxnSp>
+        <p:nvCxnSpPr>
+          <p:cNvPr id="5" name="Прямая со стрелкой 4"/>
+          <p:cNvCxnSpPr>
+            <a:stCxn id="8" idx="6"/>
+            <a:endCxn id="4" idx="2"/>
+          </p:cNvCxnSpPr>
+          <p:nvPr/>
+        </p:nvCxnSpPr>
+        <p:spPr>
+          <a:xfrm flipV="1">
+            <a:off x="2337942" y="4692651"/>
+            <a:ext cx="1424799" cy="487"/>
+          </a:xfrm>
+          <a:prstGeom prst="straightConnector1">
+            <a:avLst/>
+          </a:prstGeom>
+          <a:ln w="38100">
+            <a:tailEnd type="arrow"/>
+          </a:ln>
+        </p:spPr>
+        <p:style>
+          <a:lnRef idx="1">
+            <a:schemeClr val="accent1"/>
+          </a:lnRef>
+          <a:fillRef idx="0">
+            <a:schemeClr val="accent1"/>
+          </a:fillRef>
+          <a:effectRef idx="0">
+            <a:schemeClr val="accent1"/>
+          </a:effectRef>
+          <a:fontRef idx="minor">
+            <a:schemeClr val="tx1"/>
+          </a:fontRef>
+        </p:style>
+      </p:cxnSp>
+      <p:sp>
+        <p:nvSpPr>
+          <p:cNvPr id="6" name="Овал 5"/>
+          <p:cNvSpPr/>
+          <p:nvPr/>
+        </p:nvSpPr>
+        <p:spPr>
+          <a:xfrm>
+            <a:off x="6992470" y="4012724"/>
+            <a:ext cx="1360828" cy="1360828"/>
+          </a:xfrm>
+          <a:prstGeom prst="ellipse">
+            <a:avLst/>
+          </a:prstGeom>
+          <a:noFill/>
+          <a:ln w="76200" cmpd="dbl"/>
+        </p:spPr>
+        <p:style>
+          <a:lnRef idx="2">
+            <a:schemeClr val="accent1">
+              <a:shade val="50000"/>
+            </a:schemeClr>
+          </a:lnRef>
+          <a:fillRef idx="1">
+            <a:schemeClr val="accent1"/>
+          </a:fillRef>
+          <a:effectRef idx="0">
+            <a:schemeClr val="accent1"/>
+          </a:effectRef>
+          <a:fontRef idx="minor">
+            <a:schemeClr val="lt1"/>
+          </a:fontRef>
+        </p:style>
+        <p:txBody>
+          <a:bodyPr rtlCol="0" anchor="ctr"/>
+          <a:lstStyle/>
+          <a:p>
+            <a:pPr algn="ctr"/>
+            <a:r>
+              <a:rPr lang="ru-RU" sz="2000" b="1" dirty="0" smtClean="0">
+                <a:solidFill>
+                  <a:schemeClr val="tx1"/>
+                </a:solidFill>
+              </a:rPr>
+              <a:t>Сгорел</a:t>
+            </a:r>
+            <a:endParaRPr lang="ru-RU" sz="2000" b="1" dirty="0">
+              <a:solidFill>
+                <a:schemeClr val="tx1"/>
+              </a:solidFill>
+            </a:endParaRPr>
+          </a:p>
+        </p:txBody>
+      </p:sp>
+      <p:cxnSp>
+        <p:nvCxnSpPr>
+          <p:cNvPr id="7" name="Прямая со стрелкой 6"/>
+          <p:cNvCxnSpPr>
+            <a:stCxn id="4" idx="6"/>
+            <a:endCxn id="6" idx="2"/>
+          </p:cNvCxnSpPr>
+          <p:nvPr/>
+        </p:nvCxnSpPr>
+        <p:spPr>
+          <a:xfrm>
+            <a:off x="5241193" y="4692651"/>
+            <a:ext cx="1751277" cy="487"/>
+          </a:xfrm>
+          <a:prstGeom prst="straightConnector1">
+            <a:avLst/>
+          </a:prstGeom>
+          <a:ln w="38100">
+            <a:tailEnd type="arrow"/>
+          </a:ln>
+        </p:spPr>
+        <p:style>
+          <a:lnRef idx="1">
+            <a:schemeClr val="accent1"/>
+          </a:lnRef>
+          <a:fillRef idx="0">
+            <a:schemeClr val="accent1"/>
+          </a:fillRef>
+          <a:effectRef idx="0">
+            <a:schemeClr val="accent1"/>
+          </a:effectRef>
+          <a:fontRef idx="minor">
+            <a:schemeClr val="tx1"/>
+          </a:fontRef>
+        </p:style>
+      </p:cxnSp>
+      <p:sp>
+        <p:nvSpPr>
+          <p:cNvPr id="8" name="Овал 7"/>
+          <p:cNvSpPr/>
+          <p:nvPr/>
+        </p:nvSpPr>
+        <p:spPr>
+          <a:xfrm>
+            <a:off x="977114" y="4012724"/>
+            <a:ext cx="1360828" cy="1360828"/>
+          </a:xfrm>
+          <a:prstGeom prst="ellipse">
+            <a:avLst/>
+          </a:prstGeom>
+          <a:noFill/>
+          <a:ln w="76200" cmpd="dbl"/>
+        </p:spPr>
+        <p:style>
+          <a:lnRef idx="2">
+            <a:schemeClr val="accent1">
+              <a:shade val="50000"/>
+            </a:schemeClr>
+          </a:lnRef>
+          <a:fillRef idx="1">
+            <a:schemeClr val="accent1"/>
+          </a:fillRef>
+          <a:effectRef idx="0">
+            <a:schemeClr val="accent1"/>
+          </a:effectRef>
+          <a:fontRef idx="minor">
+            <a:schemeClr val="lt1"/>
+          </a:fontRef>
+        </p:style>
+        <p:txBody>
+          <a:bodyPr rtlCol="0" anchor="ctr"/>
+          <a:lstStyle/>
+          <a:p>
+            <a:pPr algn="ctr"/>
+            <a:r>
+              <a:rPr lang="ru-RU" sz="2000" b="1" dirty="0" smtClean="0">
+                <a:solidFill>
+                  <a:schemeClr val="tx1"/>
+                </a:solidFill>
+              </a:rPr>
+              <a:t>Норм</a:t>
+            </a:r>
+            <a:endParaRPr lang="ru-RU" sz="2000" b="1" dirty="0">
+              <a:solidFill>
+                <a:schemeClr val="tx1"/>
+              </a:solidFill>
+            </a:endParaRPr>
+          </a:p>
+        </p:txBody>
+      </p:sp>
+      <p:cxnSp>
+        <p:nvCxnSpPr>
+          <p:cNvPr id="9" name="Прямая со стрелкой 8"/>
+          <p:cNvCxnSpPr>
+            <a:endCxn id="8" idx="2"/>
+          </p:cNvCxnSpPr>
+          <p:nvPr/>
+        </p:nvCxnSpPr>
+        <p:spPr>
+          <a:xfrm>
+            <a:off x="73352" y="4693138"/>
+            <a:ext cx="903762" cy="0"/>
+          </a:xfrm>
+          <a:prstGeom prst="straightConnector1">
+            <a:avLst/>
+          </a:prstGeom>
+          <a:ln w="38100">
+            <a:tailEnd type="arrow"/>
+          </a:ln>
+        </p:spPr>
+        <p:style>
+          <a:lnRef idx="1">
+            <a:schemeClr val="accent1"/>
+          </a:lnRef>
+          <a:fillRef idx="0">
+            <a:schemeClr val="accent1"/>
+          </a:fillRef>
+          <a:effectRef idx="0">
+            <a:schemeClr val="accent1"/>
+          </a:effectRef>
+          <a:fontRef idx="minor">
+            <a:schemeClr val="tx1"/>
+          </a:fontRef>
+        </p:style>
+      </p:cxnSp>
+      <p:sp>
+        <p:nvSpPr>
+          <p:cNvPr id="10" name="TextBox 9"/>
+          <p:cNvSpPr txBox="1"/>
+          <p:nvPr/>
+        </p:nvSpPr>
+        <p:spPr>
+          <a:xfrm>
+            <a:off x="2402876" y="4212525"/>
+            <a:ext cx="1353256" cy="369332"/>
+          </a:xfrm>
+          <a:prstGeom prst="rect">
+            <a:avLst/>
+          </a:prstGeom>
+          <a:noFill/>
+        </p:spPr>
+        <p:txBody>
+          <a:bodyPr wrap="none" rtlCol="0">
+            <a:spAutoFit/>
+          </a:bodyPr>
+          <a:lstStyle/>
+          <a:p>
+            <a:pPr algn="ctr"/>
+            <a:r>
+              <a:rPr lang="uk-UA" dirty="0" smtClean="0"/>
+              <a:t>С</a:t>
+            </a:r>
+            <a:r>
+              <a:rPr lang="uk-UA" dirty="0" smtClean="0"/>
+              <a:t>наряд 70%</a:t>
+            </a:r>
+          </a:p>
+        </p:txBody>
+      </p:sp>
+      <p:sp>
+        <p:nvSpPr>
+          <p:cNvPr id="11" name="TextBox 10"/>
+          <p:cNvSpPr txBox="1"/>
+          <p:nvPr/>
+        </p:nvSpPr>
+        <p:spPr>
+          <a:xfrm>
+            <a:off x="5411043" y="4272167"/>
+            <a:ext cx="1353256" cy="369332"/>
+          </a:xfrm>
+          <a:prstGeom prst="rect">
+            <a:avLst/>
+          </a:prstGeom>
+          <a:noFill/>
+        </p:spPr>
+        <p:txBody>
+          <a:bodyPr wrap="none" rtlCol="0">
+            <a:spAutoFit/>
+          </a:bodyPr>
+          <a:lstStyle/>
+          <a:p>
+            <a:pPr algn="ctr"/>
+            <a:r>
+              <a:rPr lang="uk-UA" smtClean="0"/>
+              <a:t>Снаряд 70%</a:t>
+            </a:r>
+            <a:endParaRPr lang="ru-RU" dirty="0"/>
+          </a:p>
+        </p:txBody>
+      </p:sp>
+      <p:cxnSp>
+        <p:nvCxnSpPr>
+          <p:cNvPr id="12" name="Скругленная соединительная линия 11"/>
+          <p:cNvCxnSpPr>
+            <a:stCxn id="4" idx="3"/>
+            <a:endCxn id="8" idx="5"/>
+          </p:cNvCxnSpPr>
+          <p:nvPr/>
+        </p:nvCxnSpPr>
+        <p:spPr>
+          <a:xfrm rot="5400000" flipH="1">
+            <a:off x="3038404" y="4274512"/>
+            <a:ext cx="41100" cy="1840602"/>
+          </a:xfrm>
+          <a:prstGeom prst="curvedConnector3">
+            <a:avLst>
+              <a:gd name="adj1" fmla="val -1616959"/>
+            </a:avLst>
+          </a:prstGeom>
+          <a:ln w="38100">
+            <a:tailEnd type="arrow"/>
+          </a:ln>
+        </p:spPr>
+        <p:style>
+          <a:lnRef idx="1">
+            <a:schemeClr val="accent1"/>
+          </a:lnRef>
+          <a:fillRef idx="0">
+            <a:schemeClr val="accent1"/>
+          </a:fillRef>
+          <a:effectRef idx="0">
+            <a:schemeClr val="accent1"/>
+          </a:effectRef>
+          <a:fontRef idx="minor">
+            <a:schemeClr val="tx1"/>
+          </a:fontRef>
+        </p:style>
+      </p:cxnSp>
+      <p:sp>
+        <p:nvSpPr>
+          <p:cNvPr id="13" name="TextBox 12"/>
+          <p:cNvSpPr txBox="1"/>
+          <p:nvPr/>
+        </p:nvSpPr>
+        <p:spPr>
+          <a:xfrm>
+            <a:off x="2446704" y="5976356"/>
+            <a:ext cx="904608" cy="369332"/>
+          </a:xfrm>
+          <a:prstGeom prst="rect">
+            <a:avLst/>
+          </a:prstGeom>
+          <a:noFill/>
+        </p:spPr>
+        <p:txBody>
+          <a:bodyPr wrap="none" rtlCol="0">
+            <a:spAutoFit/>
+          </a:bodyPr>
+          <a:lstStyle/>
+          <a:p>
+            <a:pPr algn="ctr"/>
+            <a:r>
+              <a:rPr lang="ru-RU" dirty="0" smtClean="0"/>
+              <a:t>Ремонт</a:t>
+            </a:r>
+            <a:endParaRPr lang="ru-RU" dirty="0"/>
+          </a:p>
+        </p:txBody>
+      </p:sp>
+      <p:cxnSp>
+        <p:nvCxnSpPr>
+          <p:cNvPr id="16" name="Скругленная соединительная линия 15"/>
+          <p:cNvCxnSpPr>
+            <a:stCxn id="8" idx="1"/>
+            <a:endCxn id="8" idx="0"/>
+          </p:cNvCxnSpPr>
+          <p:nvPr/>
+        </p:nvCxnSpPr>
+        <p:spPr>
+          <a:xfrm rot="5400000" flipH="1" flipV="1">
+            <a:off x="1317321" y="3871807"/>
+            <a:ext cx="199289" cy="481125"/>
+          </a:xfrm>
+          <a:prstGeom prst="curvedConnector3">
+            <a:avLst>
+              <a:gd name="adj1" fmla="val 465535"/>
+            </a:avLst>
+          </a:prstGeom>
+          <a:ln w="38100">
+            <a:tailEnd type="arrow"/>
+          </a:ln>
+        </p:spPr>
+        <p:style>
+          <a:lnRef idx="1">
+            <a:schemeClr val="accent1"/>
+          </a:lnRef>
+          <a:fillRef idx="0">
+            <a:schemeClr val="accent1"/>
+          </a:fillRef>
+          <a:effectRef idx="0">
+            <a:schemeClr val="accent1"/>
+          </a:effectRef>
+          <a:fontRef idx="minor">
+            <a:schemeClr val="tx1"/>
+          </a:fontRef>
+        </p:style>
+      </p:cxnSp>
+      <p:cxnSp>
+        <p:nvCxnSpPr>
+          <p:cNvPr id="20" name="Скругленная соединительная линия 19"/>
+          <p:cNvCxnSpPr>
+            <a:stCxn id="4" idx="1"/>
+            <a:endCxn id="4" idx="0"/>
+          </p:cNvCxnSpPr>
+          <p:nvPr/>
+        </p:nvCxnSpPr>
+        <p:spPr>
+          <a:xfrm rot="5400000" flipH="1" flipV="1">
+            <a:off x="4132354" y="3800326"/>
+            <a:ext cx="216514" cy="522712"/>
+          </a:xfrm>
+          <a:prstGeom prst="curvedConnector3">
+            <a:avLst>
+              <a:gd name="adj1" fmla="val 340727"/>
+            </a:avLst>
+          </a:prstGeom>
+          <a:ln w="38100">
+            <a:tailEnd type="arrow"/>
+          </a:ln>
+        </p:spPr>
+        <p:style>
+          <a:lnRef idx="1">
+            <a:schemeClr val="accent1"/>
+          </a:lnRef>
+          <a:fillRef idx="0">
+            <a:schemeClr val="accent1"/>
+          </a:fillRef>
+          <a:effectRef idx="0">
+            <a:schemeClr val="accent1"/>
+          </a:effectRef>
+          <a:fontRef idx="minor">
+            <a:schemeClr val="tx1"/>
+          </a:fontRef>
+        </p:style>
+      </p:cxnSp>
+      <p:cxnSp>
+        <p:nvCxnSpPr>
+          <p:cNvPr id="23" name="Скругленная соединительная линия 22"/>
+          <p:cNvCxnSpPr>
+            <a:stCxn id="8" idx="7"/>
+            <a:endCxn id="6" idx="1"/>
+          </p:cNvCxnSpPr>
+          <p:nvPr/>
+        </p:nvCxnSpPr>
+        <p:spPr>
+          <a:xfrm rot="5400000" flipH="1" flipV="1">
+            <a:off x="4665206" y="1685460"/>
+            <a:ext cx="12700" cy="5053106"/>
+          </a:xfrm>
+          <a:prstGeom prst="curvedConnector3">
+            <a:avLst>
+              <a:gd name="adj1" fmla="val 14409205"/>
+            </a:avLst>
+          </a:prstGeom>
+          <a:ln w="38100">
+            <a:tailEnd type="arrow"/>
+          </a:ln>
+        </p:spPr>
+        <p:style>
+          <a:lnRef idx="1">
+            <a:schemeClr val="accent1"/>
+          </a:lnRef>
+          <a:fillRef idx="0">
+            <a:schemeClr val="accent1"/>
+          </a:fillRef>
+          <a:effectRef idx="0">
+            <a:schemeClr val="accent1"/>
+          </a:effectRef>
+          <a:fontRef idx="minor">
+            <a:schemeClr val="tx1"/>
+          </a:fontRef>
+        </p:style>
+      </p:cxnSp>
+      <p:sp>
+        <p:nvSpPr>
+          <p:cNvPr id="25" name="Прямоугольник 24"/>
+          <p:cNvSpPr/>
+          <p:nvPr/>
+        </p:nvSpPr>
+        <p:spPr>
+          <a:xfrm>
+            <a:off x="4329507" y="1947542"/>
+            <a:ext cx="684097" cy="369332"/>
+          </a:xfrm>
+          <a:prstGeom prst="rect">
+            <a:avLst/>
+          </a:prstGeom>
+        </p:spPr>
+        <p:txBody>
+          <a:bodyPr wrap="none">
+            <a:spAutoFit/>
+          </a:bodyPr>
+          <a:lstStyle/>
+          <a:p>
+            <a:pPr algn="ctr"/>
+            <a:r>
+              <a:rPr lang="uk-UA" dirty="0" smtClean="0"/>
+              <a:t>ПТУР</a:t>
+            </a:r>
+            <a:endParaRPr lang="uk-UA" dirty="0"/>
+          </a:p>
+        </p:txBody>
+      </p:sp>
+      <p:sp>
+        <p:nvSpPr>
+          <p:cNvPr id="26" name="Прямоугольник 25"/>
+          <p:cNvSpPr/>
+          <p:nvPr/>
+        </p:nvSpPr>
+        <p:spPr>
+          <a:xfrm>
+            <a:off x="1091106" y="2934627"/>
+            <a:ext cx="651717" cy="369332"/>
+          </a:xfrm>
+          <a:prstGeom prst="rect">
+            <a:avLst/>
+          </a:prstGeom>
+        </p:spPr>
+        <p:txBody>
+          <a:bodyPr wrap="none">
+            <a:spAutoFit/>
+          </a:bodyPr>
+          <a:lstStyle/>
+          <a:p>
+            <a:pPr algn="ctr"/>
+            <a:r>
+              <a:rPr lang="uk-UA" dirty="0" smtClean="0"/>
+              <a:t>Пуля</a:t>
+            </a:r>
+            <a:endParaRPr lang="uk-UA" dirty="0"/>
+          </a:p>
+        </p:txBody>
+      </p:sp>
+      <p:sp>
+        <p:nvSpPr>
+          <p:cNvPr id="27" name="Прямоугольник 26"/>
+          <p:cNvSpPr/>
+          <p:nvPr/>
+        </p:nvSpPr>
+        <p:spPr>
+          <a:xfrm>
+            <a:off x="3528619" y="3132469"/>
+            <a:ext cx="651717" cy="369332"/>
+          </a:xfrm>
+          <a:prstGeom prst="rect">
+            <a:avLst/>
+          </a:prstGeom>
+        </p:spPr>
+        <p:txBody>
+          <a:bodyPr wrap="none">
+            <a:spAutoFit/>
+          </a:bodyPr>
+          <a:lstStyle/>
+          <a:p>
+            <a:pPr algn="ctr"/>
+            <a:r>
+              <a:rPr lang="uk-UA" dirty="0" smtClean="0"/>
+              <a:t>Пуля</a:t>
+            </a:r>
+            <a:endParaRPr lang="uk-UA" dirty="0"/>
+          </a:p>
+        </p:txBody>
+      </p:sp>
+      <p:cxnSp>
+        <p:nvCxnSpPr>
+          <p:cNvPr id="29" name="Скругленная соединительная линия 28"/>
+          <p:cNvCxnSpPr>
+            <a:stCxn id="4" idx="5"/>
+            <a:endCxn id="6" idx="4"/>
+          </p:cNvCxnSpPr>
+          <p:nvPr/>
+        </p:nvCxnSpPr>
+        <p:spPr>
+          <a:xfrm rot="16200000" flipH="1">
+            <a:off x="6269687" y="3970354"/>
+            <a:ext cx="158189" cy="2648205"/>
+          </a:xfrm>
+          <a:prstGeom prst="curvedConnector3">
+            <a:avLst>
+              <a:gd name="adj1" fmla="val 450940"/>
+            </a:avLst>
+          </a:prstGeom>
+          <a:ln w="38100">
+            <a:tailEnd type="arrow"/>
+          </a:ln>
+        </p:spPr>
+        <p:style>
+          <a:lnRef idx="1">
+            <a:schemeClr val="accent1"/>
+          </a:lnRef>
+          <a:fillRef idx="0">
+            <a:schemeClr val="accent1"/>
+          </a:fillRef>
+          <a:effectRef idx="0">
+            <a:schemeClr val="accent1"/>
+          </a:effectRef>
+          <a:fontRef idx="minor">
+            <a:schemeClr val="tx1"/>
+          </a:fontRef>
+        </p:style>
+      </p:cxnSp>
+      <p:sp>
+        <p:nvSpPr>
+          <p:cNvPr id="33" name="Прямоугольник 32"/>
+          <p:cNvSpPr/>
+          <p:nvPr/>
+        </p:nvSpPr>
+        <p:spPr>
+          <a:xfrm>
+            <a:off x="6117752" y="5607024"/>
+            <a:ext cx="684097" cy="369332"/>
+          </a:xfrm>
+          <a:prstGeom prst="rect">
+            <a:avLst/>
+          </a:prstGeom>
+        </p:spPr>
+        <p:txBody>
+          <a:bodyPr wrap="none">
+            <a:spAutoFit/>
+          </a:bodyPr>
+          <a:lstStyle/>
+          <a:p>
+            <a:pPr algn="ctr"/>
+            <a:r>
+              <a:rPr lang="uk-UA" dirty="0" smtClean="0"/>
+              <a:t>ПТУР</a:t>
+            </a:r>
+          </a:p>
+        </p:txBody>
+      </p:sp>
+      <p:cxnSp>
+        <p:nvCxnSpPr>
+          <p:cNvPr id="35" name="Скругленная соединительная линия 34"/>
+          <p:cNvCxnSpPr>
+            <a:stCxn id="8" idx="3"/>
+            <a:endCxn id="8" idx="4"/>
+          </p:cNvCxnSpPr>
+          <p:nvPr/>
+        </p:nvCxnSpPr>
+        <p:spPr>
+          <a:xfrm rot="16200000" flipH="1">
+            <a:off x="1317321" y="5033344"/>
+            <a:ext cx="199289" cy="481125"/>
+          </a:xfrm>
+          <a:prstGeom prst="curvedConnector3">
+            <a:avLst>
+              <a:gd name="adj1" fmla="val 373769"/>
+            </a:avLst>
+          </a:prstGeom>
+          <a:ln w="38100">
+            <a:tailEnd type="arrow"/>
+          </a:ln>
+        </p:spPr>
+        <p:style>
+          <a:lnRef idx="1">
+            <a:schemeClr val="accent1"/>
+          </a:lnRef>
+          <a:fillRef idx="0">
+            <a:schemeClr val="accent1"/>
+          </a:fillRef>
+          <a:effectRef idx="0">
+            <a:schemeClr val="accent1"/>
+          </a:effectRef>
+          <a:fontRef idx="minor">
+            <a:schemeClr val="tx1"/>
+          </a:fontRef>
+        </p:style>
+      </p:cxnSp>
+      <p:sp>
+        <p:nvSpPr>
+          <p:cNvPr id="39" name="TextBox 38"/>
+          <p:cNvSpPr txBox="1"/>
+          <p:nvPr/>
+        </p:nvSpPr>
+        <p:spPr>
+          <a:xfrm>
+            <a:off x="525233" y="6062190"/>
+            <a:ext cx="1353256" cy="369332"/>
+          </a:xfrm>
+          <a:prstGeom prst="rect">
+            <a:avLst/>
+          </a:prstGeom>
+          <a:noFill/>
+        </p:spPr>
+        <p:txBody>
+          <a:bodyPr wrap="none" rtlCol="0">
+            <a:spAutoFit/>
+          </a:bodyPr>
+          <a:lstStyle/>
+          <a:p>
+            <a:pPr algn="ctr"/>
+            <a:r>
+              <a:rPr lang="uk-UA" dirty="0" smtClean="0"/>
+              <a:t>С</a:t>
+            </a:r>
+            <a:r>
+              <a:rPr lang="uk-UA" dirty="0" smtClean="0"/>
+              <a:t>наряд 30%</a:t>
+            </a:r>
+            <a:endParaRPr lang="ru-RU" dirty="0"/>
+          </a:p>
+        </p:txBody>
+      </p:sp>
+      <p:cxnSp>
+        <p:nvCxnSpPr>
+          <p:cNvPr id="45" name="Скругленная соединительная линия 44"/>
+          <p:cNvCxnSpPr>
+            <a:stCxn id="4" idx="0"/>
+            <a:endCxn id="4" idx="7"/>
+          </p:cNvCxnSpPr>
+          <p:nvPr/>
+        </p:nvCxnSpPr>
+        <p:spPr>
+          <a:xfrm rot="16200000" flipH="1">
+            <a:off x="4655066" y="3800326"/>
+            <a:ext cx="216514" cy="522712"/>
+          </a:xfrm>
+          <a:prstGeom prst="curvedConnector3">
+            <a:avLst>
+              <a:gd name="adj1" fmla="val -251989"/>
+            </a:avLst>
+          </a:prstGeom>
+          <a:ln w="38100">
+            <a:tailEnd type="arrow"/>
+          </a:ln>
+        </p:spPr>
+        <p:style>
+          <a:lnRef idx="1">
+            <a:schemeClr val="accent1"/>
+          </a:lnRef>
+          <a:fillRef idx="0">
+            <a:schemeClr val="accent1"/>
+          </a:fillRef>
+          <a:effectRef idx="0">
+            <a:schemeClr val="accent1"/>
+          </a:effectRef>
+          <a:fontRef idx="minor">
+            <a:schemeClr val="tx1"/>
+          </a:fontRef>
+        </p:style>
+      </p:cxnSp>
+      <p:sp>
+        <p:nvSpPr>
+          <p:cNvPr id="47" name="TextBox 46"/>
+          <p:cNvSpPr txBox="1"/>
+          <p:nvPr/>
+        </p:nvSpPr>
+        <p:spPr>
+          <a:xfrm>
+            <a:off x="4764496" y="3132469"/>
+            <a:ext cx="1353256" cy="369332"/>
+          </a:xfrm>
+          <a:prstGeom prst="rect">
+            <a:avLst/>
+          </a:prstGeom>
+          <a:noFill/>
+        </p:spPr>
+        <p:txBody>
+          <a:bodyPr wrap="none" rtlCol="0">
+            <a:spAutoFit/>
+          </a:bodyPr>
+          <a:lstStyle/>
+          <a:p>
+            <a:pPr algn="ctr"/>
+            <a:r>
+              <a:rPr lang="uk-UA" dirty="0" smtClean="0"/>
+              <a:t>С</a:t>
+            </a:r>
+            <a:r>
+              <a:rPr lang="uk-UA" dirty="0" smtClean="0"/>
+              <a:t>наряд 30%</a:t>
+            </a:r>
+            <a:endParaRPr lang="ru-RU" dirty="0"/>
+          </a:p>
+        </p:txBody>
+      </p:sp>
+    </p:spTree>
+    <p:extLst>
+      <p:ext uri="{BB962C8B-B14F-4D97-AF65-F5344CB8AC3E}">
+        <p14:creationId xmlns:p14="http://schemas.microsoft.com/office/powerpoint/2010/main" val="3541965277"/>
+      </p:ext>
+    </p:extLst>
+  </p:cSld>
+  <p:clrMapOvr>
+    <a:masterClrMapping/>
+  </p:clrMapOvr>
+</p:sld>
+</file>
+
+<file path=ppt/slides/slide6.xml><?xml version="1.0" encoding="utf-8"?>
+<p:sld xmlns:a="http://schemas.openxmlformats.org/drawingml/2006/main" xmlns:r="http://schemas.openxmlformats.org/officeDocument/2006/relationships" xmlns:p="http://schemas.openxmlformats.org/presentationml/2006/main">
+  <p:cSld>
+    <p:spTree>
+      <p:nvGrpSpPr>
+        <p:cNvPr id="1" name=""/>
+        <p:cNvGrpSpPr/>
+        <p:nvPr/>
+      </p:nvGrpSpPr>
+      <p:grpSpPr>
+        <a:xfrm>
+          <a:off x="0" y="0"/>
+          <a:ext cx="0" cy="0"/>
+          <a:chOff x="0" y="0"/>
+          <a:chExt cx="0" cy="0"/>
+        </a:xfrm>
+      </p:grpSpPr>
+      <p:sp>
+        <p:nvSpPr>
           <p:cNvPr id="4" name="Овал 3"/>
           <p:cNvSpPr/>
           <p:nvPr/>
@@ -5043,6 +7830,31 @@
             <a:r>
               <a:rPr lang="ru-RU" dirty="0" smtClean="0"/>
               <a:t>: пробел и символ</a:t>
+            </a:r>
+            <a:endParaRPr lang="ru-RU" dirty="0"/>
+          </a:p>
+        </p:txBody>
+      </p:sp>
+      <p:sp>
+        <p:nvSpPr>
+          <p:cNvPr id="3" name="Заголовок 2"/>
+          <p:cNvSpPr>
+            <a:spLocks noGrp="1"/>
+          </p:cNvSpPr>
+          <p:nvPr>
+            <p:ph type="title"/>
+          </p:nvPr>
+        </p:nvSpPr>
+        <p:spPr/>
+        <p:txBody>
+          <a:bodyPr>
+            <a:normAutofit fontScale="90000"/>
+          </a:bodyPr>
+          <a:lstStyle/>
+          <a:p>
+            <a:r>
+              <a:rPr lang="ru-RU" dirty="0" smtClean="0"/>
+              <a:t>КА для задачи удаления лишних пробелов</a:t>
             </a:r>
             <a:endParaRPr lang="ru-RU" dirty="0"/>
           </a:p>

--- a/lec_state_machine/statemachine.pptx
+++ b/lec_state_machine/statemachine.pptx
@@ -109,6 +109,22 @@
       </a:defRPr>
     </a:lvl9pPr>
   </p:defaultTextStyle>
+  <p:extLst>
+    <p:ext uri="{EFAFB233-063F-42B5-8137-9DF3F51BA10A}">
+      <p15:sldGuideLst xmlns:p15="http://schemas.microsoft.com/office/powerpoint/2012/main">
+        <p15:guide id="1" orient="horz" pos="2160">
+          <p15:clr>
+            <a:srgbClr val="A4A3A4"/>
+          </p15:clr>
+        </p15:guide>
+        <p15:guide id="2" pos="2880">
+          <p15:clr>
+            <a:srgbClr val="A4A3A4"/>
+          </p15:clr>
+        </p15:guide>
+      </p15:sldGuideLst>
+    </p:ext>
+  </p:extLst>
 </p:presentation>
 </file>
 
@@ -3598,8 +3614,8 @@
           </a:p>
         </p:txBody>
       </p:sp>
-      <mc:AlternateContent xmlns:mc="http://schemas.openxmlformats.org/markup-compatibility/2006">
-        <mc:Choice xmlns:a14="http://schemas.microsoft.com/office/drawing/2010/main" Requires="a14">
+      <mc:AlternateContent xmlns:mc="http://schemas.openxmlformats.org/markup-compatibility/2006" xmlns:a14="http://schemas.microsoft.com/office/drawing/2010/main">
+        <mc:Choice Requires="a14">
           <p:sp>
             <p:nvSpPr>
               <p:cNvPr id="14" name="Прямоугольник 13"/>
@@ -3658,7 +3674,7 @@
                             <a:solidFill>
                               <a:srgbClr val="222222"/>
                             </a:solidFill>
-                            <a:latin typeface="Cambria Math"/>
+                            <a:latin typeface="Cambria Math" panose="02040503050406030204" pitchFamily="18" charset="0"/>
                             <a:cs typeface="Arial" charset="0"/>
                           </a:rPr>
                         </m:ctrlPr>
@@ -3806,17 +3822,7 @@
                     <a:latin typeface="Arial" charset="0"/>
                     <a:cs typeface="Arial" charset="0"/>
                   </a:rPr>
-                  <a:t>S </a:t>
-                </a:r>
-                <a:r>
-                  <a:rPr lang="ru-RU" altLang="ru-RU" sz="2000" dirty="0" smtClean="0">
-                    <a:solidFill>
-                      <a:srgbClr val="222222"/>
-                    </a:solidFill>
-                    <a:latin typeface="Arial" charset="0"/>
-                    <a:cs typeface="Arial" charset="0"/>
-                  </a:rPr>
-                  <a:t>—</a:t>
+                  <a:t>S —</a:t>
                 </a:r>
                 <a:r>
                   <a:rPr lang="en-US" altLang="ru-RU" sz="2000" dirty="0" smtClean="0">
@@ -4242,7 +4248,7 @@
             </p:txBody>
           </p:sp>
         </mc:Choice>
-        <mc:Fallback>
+        <mc:Fallback xmlns="">
           <p:sp>
             <p:nvSpPr>
               <p:cNvPr id="14" name="Прямоугольник 13"/>
@@ -4334,11 +4340,7 @@
             </a:r>
             <a:r>
               <a:rPr lang="uk-UA" dirty="0" smtClean="0"/>
-              <a:t> </a:t>
-            </a:r>
-            <a:r>
-              <a:rPr lang="uk-UA" dirty="0" smtClean="0"/>
-              <a:t>конечного автомата</a:t>
+              <a:t> конечного автомата</a:t>
             </a:r>
             <a:endParaRPr lang="ru-RU" dirty="0"/>
           </a:p>
@@ -4383,8 +4385,8 @@
           </a:p>
         </p:txBody>
       </p:sp>
-      <mc:AlternateContent xmlns:mc="http://schemas.openxmlformats.org/markup-compatibility/2006">
-        <mc:Choice xmlns:a14="http://schemas.microsoft.com/office/drawing/2010/main" Requires="a14">
+      <mc:AlternateContent xmlns:mc="http://schemas.openxmlformats.org/markup-compatibility/2006" xmlns:a14="http://schemas.microsoft.com/office/drawing/2010/main">
+        <mc:Choice Requires="a14">
           <p:sp>
             <p:nvSpPr>
               <p:cNvPr id="5" name="TextBox 4"/>
@@ -4437,7 +4439,7 @@
                             <a:solidFill>
                               <a:srgbClr val="222222"/>
                             </a:solidFill>
-                            <a:latin typeface="Cambria Math"/>
+                            <a:latin typeface="Cambria Math" panose="02040503050406030204" pitchFamily="18" charset="0"/>
                             <a:cs typeface="Arial" charset="0"/>
                           </a:rPr>
                         </m:ctrlPr>
@@ -4490,7 +4492,7 @@
                                 <a:solidFill>
                                   <a:srgbClr val="222222"/>
                                 </a:solidFill>
-                                <a:latin typeface="Cambria Math"/>
+                                <a:latin typeface="Cambria Math" panose="02040503050406030204" pitchFamily="18" charset="0"/>
                                 <a:cs typeface="Arial" charset="0"/>
                               </a:rPr>
                             </m:ctrlPr>
@@ -4605,7 +4607,7 @@
                             <a:solidFill>
                               <a:srgbClr val="222222"/>
                             </a:solidFill>
-                            <a:latin typeface="Cambria Math"/>
+                            <a:latin typeface="Cambria Math" panose="02040503050406030204" pitchFamily="18" charset="0"/>
                             <a:cs typeface="Arial" charset="0"/>
                           </a:rPr>
                         </m:ctrlPr>
@@ -4787,7 +4789,7 @@
                             <a:solidFill>
                               <a:srgbClr val="222222"/>
                             </a:solidFill>
-                            <a:latin typeface="Cambria Math"/>
+                            <a:latin typeface="Cambria Math" panose="02040503050406030204" pitchFamily="18" charset="0"/>
                             <a:cs typeface="Arial" charset="0"/>
                           </a:rPr>
                         </m:ctrlPr>
@@ -4840,7 +4842,7 @@
                                 <a:solidFill>
                                   <a:srgbClr val="222222"/>
                                 </a:solidFill>
-                                <a:latin typeface="Cambria Math"/>
+                                <a:latin typeface="Cambria Math" panose="02040503050406030204" pitchFamily="18" charset="0"/>
                                 <a:cs typeface="Arial" charset="0"/>
                               </a:rPr>
                             </m:ctrlPr>
@@ -4977,7 +4979,7 @@
             </p:txBody>
           </p:sp>
         </mc:Choice>
-        <mc:Fallback>
+        <mc:Fallback xmlns="">
           <p:sp>
             <p:nvSpPr>
               <p:cNvPr id="5" name="TextBox 4"/>
@@ -5368,7 +5370,7 @@
           <a:p>
             <a:pPr algn="ctr"/>
             <a:r>
-              <a:rPr lang="uk-UA" dirty="0" err="1" smtClean="0"/>
+              <a:rPr lang="ru-RU" dirty="0" smtClean="0"/>
               <a:t>Попадание</a:t>
             </a:r>
             <a:endParaRPr lang="ru-RU" dirty="0"/>
@@ -5399,7 +5401,7 @@
           <a:p>
             <a:pPr algn="ctr"/>
             <a:r>
-              <a:rPr lang="uk-UA" dirty="0" err="1" smtClean="0"/>
+              <a:rPr lang="ru-RU" dirty="0" smtClean="0"/>
               <a:t>Попадание</a:t>
             </a:r>
             <a:endParaRPr lang="ru-RU" dirty="0"/>
@@ -5824,11 +5826,7 @@
             <a:pPr algn="ctr"/>
             <a:r>
               <a:rPr lang="uk-UA" dirty="0" smtClean="0"/>
-              <a:t>С</a:t>
-            </a:r>
-            <a:r>
-              <a:rPr lang="uk-UA" dirty="0" smtClean="0"/>
-              <a:t>наряд</a:t>
+              <a:t>Снаряд</a:t>
             </a:r>
           </a:p>
           <a:p>
@@ -6229,7 +6227,6 @@
               <a:rPr lang="uk-UA" dirty="0"/>
               <a:t>«Бабах»</a:t>
             </a:r>
-            <a:endParaRPr lang="uk-UA" dirty="0"/>
           </a:p>
         </p:txBody>
       </p:sp>
@@ -6627,11 +6624,7 @@
             <a:pPr algn="ctr"/>
             <a:r>
               <a:rPr lang="uk-UA" dirty="0" smtClean="0"/>
-              <a:t>С</a:t>
-            </a:r>
-            <a:r>
-              <a:rPr lang="uk-UA" dirty="0" smtClean="0"/>
-              <a:t>наряд 70%</a:t>
+              <a:t>Снаряд 70%</a:t>
             </a:r>
           </a:p>
         </p:txBody>
@@ -7070,11 +7063,7 @@
             <a:pPr algn="ctr"/>
             <a:r>
               <a:rPr lang="uk-UA" dirty="0" smtClean="0"/>
-              <a:t>С</a:t>
-            </a:r>
-            <a:r>
-              <a:rPr lang="uk-UA" dirty="0" smtClean="0"/>
-              <a:t>наряд 30%</a:t>
+              <a:t>Снаряд 30%</a:t>
             </a:r>
             <a:endParaRPr lang="ru-RU" dirty="0"/>
           </a:p>
@@ -7143,11 +7132,7 @@
             <a:pPr algn="ctr"/>
             <a:r>
               <a:rPr lang="uk-UA" dirty="0" smtClean="0"/>
-              <a:t>С</a:t>
-            </a:r>
-            <a:r>
-              <a:rPr lang="uk-UA" dirty="0" smtClean="0"/>
-              <a:t>наряд 30%</a:t>
+              <a:t>Снаряд 30%</a:t>
             </a:r>
             <a:endParaRPr lang="ru-RU" dirty="0"/>
           </a:p>
@@ -7589,7 +7574,7 @@
           <a:lstStyle/>
           <a:p>
             <a:r>
-              <a:rPr lang="uk-UA" dirty="0" err="1" smtClean="0"/>
+              <a:rPr lang="ru-RU" dirty="0" smtClean="0"/>
               <a:t>пробел</a:t>
             </a:r>
             <a:endParaRPr lang="ru-RU" dirty="0"/>
@@ -7620,28 +7605,15 @@
           <a:p>
             <a:pPr algn="ctr"/>
             <a:r>
-              <a:rPr lang="uk-UA" dirty="0" smtClean="0"/>
-              <a:t>Не </a:t>
-            </a:r>
-            <a:r>
-              <a:rPr lang="uk-UA" dirty="0" err="1" smtClean="0"/>
-              <a:t>пробел</a:t>
-            </a:r>
-            <a:endParaRPr lang="uk-UA" dirty="0" smtClean="0"/>
+              <a:rPr lang="ru-RU" dirty="0" smtClean="0"/>
+              <a:t>Не пробел</a:t>
+            </a:r>
           </a:p>
           <a:p>
             <a:pPr algn="ctr"/>
             <a:r>
-              <a:rPr lang="uk-UA" dirty="0" err="1" smtClean="0"/>
-              <a:t>Вывод</a:t>
-            </a:r>
-            <a:r>
-              <a:rPr lang="uk-UA" dirty="0" smtClean="0"/>
-              <a:t> </a:t>
-            </a:r>
-            <a:r>
-              <a:rPr lang="uk-UA" dirty="0" err="1" smtClean="0"/>
-              <a:t>символа</a:t>
+              <a:rPr lang="ru-RU" dirty="0" smtClean="0"/>
+              <a:t>Вывод символа</a:t>
             </a:r>
             <a:endParaRPr lang="ru-RU" dirty="0"/>
           </a:p>
@@ -7670,7 +7642,7 @@
           <a:lstStyle/>
           <a:p>
             <a:r>
-              <a:rPr lang="uk-UA" dirty="0" err="1" smtClean="0"/>
+              <a:rPr lang="ru-RU" dirty="0" smtClean="0"/>
               <a:t>пробел</a:t>
             </a:r>
             <a:endParaRPr lang="ru-RU" dirty="0"/>
@@ -7685,8 +7657,8 @@
         </p:nvSpPr>
         <p:spPr>
           <a:xfrm>
-            <a:off x="2924011" y="3664462"/>
-            <a:ext cx="900568" cy="646331"/>
+            <a:off x="2864925" y="3664462"/>
+            <a:ext cx="1018740" cy="1200329"/>
           </a:xfrm>
           <a:prstGeom prst="rect">
             <a:avLst/>
@@ -7701,15 +7673,29 @@
           <a:p>
             <a:pPr algn="ctr"/>
             <a:r>
-              <a:rPr lang="uk-UA" dirty="0" smtClean="0"/>
+              <a:rPr lang="ru-RU" dirty="0" smtClean="0"/>
               <a:t>Не</a:t>
             </a:r>
             <a:br>
-              <a:rPr lang="uk-UA" dirty="0" smtClean="0"/>
+              <a:rPr lang="ru-RU" dirty="0" smtClean="0"/>
             </a:br>
             <a:r>
-              <a:rPr lang="uk-UA" dirty="0" err="1" smtClean="0"/>
+              <a:rPr lang="ru-RU" dirty="0" smtClean="0"/>
               <a:t>пробел</a:t>
+            </a:r>
+          </a:p>
+          <a:p>
+            <a:pPr algn="ctr"/>
+            <a:r>
+              <a:rPr lang="ru-RU" dirty="0" smtClean="0"/>
+              <a:t>Вывод</a:t>
+            </a:r>
+            <a:br>
+              <a:rPr lang="ru-RU" dirty="0" smtClean="0"/>
+            </a:br>
+            <a:r>
+              <a:rPr lang="ru-RU" dirty="0" smtClean="0"/>
+              <a:t>символа</a:t>
             </a:r>
             <a:endParaRPr lang="ru-RU" dirty="0"/>
           </a:p>
@@ -7739,7 +7725,7 @@
           <a:p>
             <a:pPr algn="ctr"/>
             <a:r>
-              <a:rPr lang="uk-UA" dirty="0" err="1" smtClean="0"/>
+              <a:rPr lang="ru-RU" dirty="0" smtClean="0"/>
               <a:t>пробел</a:t>
             </a:r>
             <a:endParaRPr lang="ru-RU" dirty="0"/>
@@ -7792,7 +7778,7 @@
         </p:nvSpPr>
         <p:spPr>
           <a:xfrm>
-            <a:off x="4736858" y="5357243"/>
+            <a:off x="4736859" y="5357243"/>
             <a:ext cx="2603470" cy="646331"/>
           </a:xfrm>
           <a:prstGeom prst="rect">
@@ -7812,10 +7798,9 @@
               <a:t>Не </a:t>
             </a:r>
             <a:r>
-              <a:rPr lang="uk-UA" dirty="0" err="1" smtClean="0"/>
+              <a:rPr lang="ru-RU" dirty="0" smtClean="0"/>
               <a:t>пробел</a:t>
             </a:r>
-            <a:endParaRPr lang="uk-UA" dirty="0" smtClean="0"/>
           </a:p>
           <a:p>
             <a:pPr algn="ctr"/>
@@ -7824,12 +7809,16 @@
               <a:t>В</a:t>
             </a:r>
             <a:r>
-              <a:rPr lang="ru-RU" dirty="0" err="1" smtClean="0"/>
+              <a:rPr lang="ru-RU" dirty="0" smtClean="0"/>
               <a:t>ывод</a:t>
             </a:r>
             <a:r>
               <a:rPr lang="ru-RU" dirty="0" smtClean="0"/>
-              <a:t>: пробел и символ</a:t>
+              <a:t>: </a:t>
+            </a:r>
+            <a:r>
+              <a:rPr lang="ru-RU" dirty="0" smtClean="0"/>
+              <a:t>пробел и символ</a:t>
             </a:r>
             <a:endParaRPr lang="ru-RU" dirty="0"/>
           </a:p>
